--- a/Market Basket Analysis.pptx
+++ b/Market Basket Analysis.pptx
@@ -4,6 +4,9 @@
   <p:sldMasterIdLst>
     <p:sldMasterId id="2147483660" r:id="rId1"/>
   </p:sldMasterIdLst>
+  <p:notesMasterIdLst>
+    <p:notesMasterId r:id="rId7"/>
+  </p:notesMasterIdLst>
   <p:sldIdLst>
     <p:sldId id="256" r:id="rId2"/>
     <p:sldId id="260" r:id="rId3"/>
@@ -108,7 +111,502 @@
       </a:defRPr>
     </a:lvl9pPr>
   </p:defaultTextStyle>
+  <p:extLst>
+    <p:ext uri="{EFAFB233-063F-42B5-8137-9DF3F51BA10A}">
+      <p15:sldGuideLst xmlns:p15="http://schemas.microsoft.com/office/powerpoint/2012/main"/>
+    </p:ext>
+  </p:extLst>
 </p:presentation>
+</file>
+
+<file path=ppt/notesMasters/notesMaster1.xml><?xml version="1.0" encoding="utf-8"?>
+<p:notesMaster xmlns:a="http://schemas.openxmlformats.org/drawingml/2006/main" xmlns:r="http://schemas.openxmlformats.org/officeDocument/2006/relationships" xmlns:p="http://schemas.openxmlformats.org/presentationml/2006/main">
+  <p:cSld>
+    <p:bg>
+      <p:bgRef idx="1001">
+        <a:schemeClr val="bg1"/>
+      </p:bgRef>
+    </p:bg>
+    <p:spTree>
+      <p:nvGrpSpPr>
+        <p:cNvPr id="1" name=""/>
+        <p:cNvGrpSpPr/>
+        <p:nvPr/>
+      </p:nvGrpSpPr>
+      <p:grpSpPr>
+        <a:xfrm>
+          <a:off x="0" y="0"/>
+          <a:ext cx="0" cy="0"/>
+          <a:chOff x="0" y="0"/>
+          <a:chExt cx="0" cy="0"/>
+        </a:xfrm>
+      </p:grpSpPr>
+      <p:sp>
+        <p:nvSpPr>
+          <p:cNvPr id="2" name="Header Placeholder 1"/>
+          <p:cNvSpPr>
+            <a:spLocks noGrp="1"/>
+          </p:cNvSpPr>
+          <p:nvPr>
+            <p:ph type="hdr" sz="quarter"/>
+          </p:nvPr>
+        </p:nvSpPr>
+        <p:spPr>
+          <a:xfrm>
+            <a:off x="0" y="0"/>
+            <a:ext cx="2971800" cy="458788"/>
+          </a:xfrm>
+          <a:prstGeom prst="rect">
+            <a:avLst/>
+          </a:prstGeom>
+        </p:spPr>
+        <p:txBody>
+          <a:bodyPr vert="horz" lIns="91440" tIns="45720" rIns="91440" bIns="45720" rtlCol="0"/>
+          <a:lstStyle>
+            <a:lvl1pPr algn="l">
+              <a:defRPr sz="1200"/>
+            </a:lvl1pPr>
+          </a:lstStyle>
+          <a:p>
+            <a:endParaRPr lang="en-CA"/>
+          </a:p>
+        </p:txBody>
+      </p:sp>
+      <p:sp>
+        <p:nvSpPr>
+          <p:cNvPr id="3" name="Date Placeholder 2"/>
+          <p:cNvSpPr>
+            <a:spLocks noGrp="1"/>
+          </p:cNvSpPr>
+          <p:nvPr>
+            <p:ph type="dt" idx="1"/>
+          </p:nvPr>
+        </p:nvSpPr>
+        <p:spPr>
+          <a:xfrm>
+            <a:off x="3884613" y="0"/>
+            <a:ext cx="2971800" cy="458788"/>
+          </a:xfrm>
+          <a:prstGeom prst="rect">
+            <a:avLst/>
+          </a:prstGeom>
+        </p:spPr>
+        <p:txBody>
+          <a:bodyPr vert="horz" lIns="91440" tIns="45720" rIns="91440" bIns="45720" rtlCol="0"/>
+          <a:lstStyle>
+            <a:lvl1pPr algn="r">
+              <a:defRPr sz="1200"/>
+            </a:lvl1pPr>
+          </a:lstStyle>
+          <a:p>
+            <a:fld id="{E7EEBC60-0827-4C70-B207-73EBAEC13DF4}" type="datetimeFigureOut">
+              <a:rPr lang="en-CA" smtClean="0"/>
+              <a:t>2021-03-17</a:t>
+            </a:fld>
+            <a:endParaRPr lang="en-CA"/>
+          </a:p>
+        </p:txBody>
+      </p:sp>
+      <p:sp>
+        <p:nvSpPr>
+          <p:cNvPr id="4" name="Slide Image Placeholder 3"/>
+          <p:cNvSpPr>
+            <a:spLocks noGrp="1" noRot="1" noChangeAspect="1"/>
+          </p:cNvSpPr>
+          <p:nvPr>
+            <p:ph type="sldImg" idx="2"/>
+          </p:nvPr>
+        </p:nvSpPr>
+        <p:spPr>
+          <a:xfrm>
+            <a:off x="685800" y="1143000"/>
+            <a:ext cx="5486400" cy="3086100"/>
+          </a:xfrm>
+          <a:prstGeom prst="rect">
+            <a:avLst/>
+          </a:prstGeom>
+          <a:noFill/>
+          <a:ln w="12700">
+            <a:solidFill>
+              <a:prstClr val="black"/>
+            </a:solidFill>
+          </a:ln>
+        </p:spPr>
+        <p:txBody>
+          <a:bodyPr vert="horz" lIns="91440" tIns="45720" rIns="91440" bIns="45720" rtlCol="0" anchor="ctr"/>
+          <a:lstStyle/>
+          <a:p>
+            <a:endParaRPr lang="en-CA"/>
+          </a:p>
+        </p:txBody>
+      </p:sp>
+      <p:sp>
+        <p:nvSpPr>
+          <p:cNvPr id="5" name="Notes Placeholder 4"/>
+          <p:cNvSpPr>
+            <a:spLocks noGrp="1"/>
+          </p:cNvSpPr>
+          <p:nvPr>
+            <p:ph type="body" sz="quarter" idx="3"/>
+          </p:nvPr>
+        </p:nvSpPr>
+        <p:spPr>
+          <a:xfrm>
+            <a:off x="685800" y="4400550"/>
+            <a:ext cx="5486400" cy="3600450"/>
+          </a:xfrm>
+          <a:prstGeom prst="rect">
+            <a:avLst/>
+          </a:prstGeom>
+        </p:spPr>
+        <p:txBody>
+          <a:bodyPr vert="horz" lIns="91440" tIns="45720" rIns="91440" bIns="45720" rtlCol="0"/>
+          <a:lstStyle/>
+          <a:p>
+            <a:pPr lvl="0"/>
+            <a:r>
+              <a:rPr lang="en-US"/>
+              <a:t>Click to edit Master text styles</a:t>
+            </a:r>
+          </a:p>
+          <a:p>
+            <a:pPr lvl="1"/>
+            <a:r>
+              <a:rPr lang="en-US"/>
+              <a:t>Second level</a:t>
+            </a:r>
+          </a:p>
+          <a:p>
+            <a:pPr lvl="2"/>
+            <a:r>
+              <a:rPr lang="en-US"/>
+              <a:t>Third level</a:t>
+            </a:r>
+          </a:p>
+          <a:p>
+            <a:pPr lvl="3"/>
+            <a:r>
+              <a:rPr lang="en-US"/>
+              <a:t>Fourth level</a:t>
+            </a:r>
+          </a:p>
+          <a:p>
+            <a:pPr lvl="4"/>
+            <a:r>
+              <a:rPr lang="en-US"/>
+              <a:t>Fifth level</a:t>
+            </a:r>
+            <a:endParaRPr lang="en-CA"/>
+          </a:p>
+        </p:txBody>
+      </p:sp>
+      <p:sp>
+        <p:nvSpPr>
+          <p:cNvPr id="6" name="Footer Placeholder 5"/>
+          <p:cNvSpPr>
+            <a:spLocks noGrp="1"/>
+          </p:cNvSpPr>
+          <p:nvPr>
+            <p:ph type="ftr" sz="quarter" idx="4"/>
+          </p:nvPr>
+        </p:nvSpPr>
+        <p:spPr>
+          <a:xfrm>
+            <a:off x="0" y="8685213"/>
+            <a:ext cx="2971800" cy="458787"/>
+          </a:xfrm>
+          <a:prstGeom prst="rect">
+            <a:avLst/>
+          </a:prstGeom>
+        </p:spPr>
+        <p:txBody>
+          <a:bodyPr vert="horz" lIns="91440" tIns="45720" rIns="91440" bIns="45720" rtlCol="0" anchor="b"/>
+          <a:lstStyle>
+            <a:lvl1pPr algn="l">
+              <a:defRPr sz="1200"/>
+            </a:lvl1pPr>
+          </a:lstStyle>
+          <a:p>
+            <a:endParaRPr lang="en-CA"/>
+          </a:p>
+        </p:txBody>
+      </p:sp>
+      <p:sp>
+        <p:nvSpPr>
+          <p:cNvPr id="7" name="Slide Number Placeholder 6"/>
+          <p:cNvSpPr>
+            <a:spLocks noGrp="1"/>
+          </p:cNvSpPr>
+          <p:nvPr>
+            <p:ph type="sldNum" sz="quarter" idx="5"/>
+          </p:nvPr>
+        </p:nvSpPr>
+        <p:spPr>
+          <a:xfrm>
+            <a:off x="3884613" y="8685213"/>
+            <a:ext cx="2971800" cy="458787"/>
+          </a:xfrm>
+          <a:prstGeom prst="rect">
+            <a:avLst/>
+          </a:prstGeom>
+        </p:spPr>
+        <p:txBody>
+          <a:bodyPr vert="horz" lIns="91440" tIns="45720" rIns="91440" bIns="45720" rtlCol="0" anchor="b"/>
+          <a:lstStyle>
+            <a:lvl1pPr algn="r">
+              <a:defRPr sz="1200"/>
+            </a:lvl1pPr>
+          </a:lstStyle>
+          <a:p>
+            <a:fld id="{F0994EC7-F371-412D-B06E-17B2EE58F8DE}" type="slidenum">
+              <a:rPr lang="en-CA" smtClean="0"/>
+              <a:t>‹#›</a:t>
+            </a:fld>
+            <a:endParaRPr lang="en-CA"/>
+          </a:p>
+        </p:txBody>
+      </p:sp>
+    </p:spTree>
+    <p:extLst>
+      <p:ext uri="{BB962C8B-B14F-4D97-AF65-F5344CB8AC3E}">
+        <p14:creationId xmlns:p14="http://schemas.microsoft.com/office/powerpoint/2010/main" val="3500128869"/>
+      </p:ext>
+    </p:extLst>
+  </p:cSld>
+  <p:clrMap bg1="lt1" tx1="dk1" bg2="lt2" tx2="dk2" accent1="accent1" accent2="accent2" accent3="accent3" accent4="accent4" accent5="accent5" accent6="accent6" hlink="hlink" folHlink="folHlink"/>
+  <p:notesStyle>
+    <a:lvl1pPr marL="0" algn="l" defTabSz="914400" rtl="0" eaLnBrk="1" latinLnBrk="0" hangingPunct="1">
+      <a:defRPr sz="1200" kern="1200">
+        <a:solidFill>
+          <a:schemeClr val="tx1"/>
+        </a:solidFill>
+        <a:latin typeface="+mn-lt"/>
+        <a:ea typeface="+mn-ea"/>
+        <a:cs typeface="+mn-cs"/>
+      </a:defRPr>
+    </a:lvl1pPr>
+    <a:lvl2pPr marL="457200" algn="l" defTabSz="914400" rtl="0" eaLnBrk="1" latinLnBrk="0" hangingPunct="1">
+      <a:defRPr sz="1200" kern="1200">
+        <a:solidFill>
+          <a:schemeClr val="tx1"/>
+        </a:solidFill>
+        <a:latin typeface="+mn-lt"/>
+        <a:ea typeface="+mn-ea"/>
+        <a:cs typeface="+mn-cs"/>
+      </a:defRPr>
+    </a:lvl2pPr>
+    <a:lvl3pPr marL="914400" algn="l" defTabSz="914400" rtl="0" eaLnBrk="1" latinLnBrk="0" hangingPunct="1">
+      <a:defRPr sz="1200" kern="1200">
+        <a:solidFill>
+          <a:schemeClr val="tx1"/>
+        </a:solidFill>
+        <a:latin typeface="+mn-lt"/>
+        <a:ea typeface="+mn-ea"/>
+        <a:cs typeface="+mn-cs"/>
+      </a:defRPr>
+    </a:lvl3pPr>
+    <a:lvl4pPr marL="1371600" algn="l" defTabSz="914400" rtl="0" eaLnBrk="1" latinLnBrk="0" hangingPunct="1">
+      <a:defRPr sz="1200" kern="1200">
+        <a:solidFill>
+          <a:schemeClr val="tx1"/>
+        </a:solidFill>
+        <a:latin typeface="+mn-lt"/>
+        <a:ea typeface="+mn-ea"/>
+        <a:cs typeface="+mn-cs"/>
+      </a:defRPr>
+    </a:lvl4pPr>
+    <a:lvl5pPr marL="1828800" algn="l" defTabSz="914400" rtl="0" eaLnBrk="1" latinLnBrk="0" hangingPunct="1">
+      <a:defRPr sz="1200" kern="1200">
+        <a:solidFill>
+          <a:schemeClr val="tx1"/>
+        </a:solidFill>
+        <a:latin typeface="+mn-lt"/>
+        <a:ea typeface="+mn-ea"/>
+        <a:cs typeface="+mn-cs"/>
+      </a:defRPr>
+    </a:lvl5pPr>
+    <a:lvl6pPr marL="2286000" algn="l" defTabSz="914400" rtl="0" eaLnBrk="1" latinLnBrk="0" hangingPunct="1">
+      <a:defRPr sz="1200" kern="1200">
+        <a:solidFill>
+          <a:schemeClr val="tx1"/>
+        </a:solidFill>
+        <a:latin typeface="+mn-lt"/>
+        <a:ea typeface="+mn-ea"/>
+        <a:cs typeface="+mn-cs"/>
+      </a:defRPr>
+    </a:lvl6pPr>
+    <a:lvl7pPr marL="2743200" algn="l" defTabSz="914400" rtl="0" eaLnBrk="1" latinLnBrk="0" hangingPunct="1">
+      <a:defRPr sz="1200" kern="1200">
+        <a:solidFill>
+          <a:schemeClr val="tx1"/>
+        </a:solidFill>
+        <a:latin typeface="+mn-lt"/>
+        <a:ea typeface="+mn-ea"/>
+        <a:cs typeface="+mn-cs"/>
+      </a:defRPr>
+    </a:lvl7pPr>
+    <a:lvl8pPr marL="3200400" algn="l" defTabSz="914400" rtl="0" eaLnBrk="1" latinLnBrk="0" hangingPunct="1">
+      <a:defRPr sz="1200" kern="1200">
+        <a:solidFill>
+          <a:schemeClr val="tx1"/>
+        </a:solidFill>
+        <a:latin typeface="+mn-lt"/>
+        <a:ea typeface="+mn-ea"/>
+        <a:cs typeface="+mn-cs"/>
+      </a:defRPr>
+    </a:lvl8pPr>
+    <a:lvl9pPr marL="3657600" algn="l" defTabSz="914400" rtl="0" eaLnBrk="1" latinLnBrk="0" hangingPunct="1">
+      <a:defRPr sz="1200" kern="1200">
+        <a:solidFill>
+          <a:schemeClr val="tx1"/>
+        </a:solidFill>
+        <a:latin typeface="+mn-lt"/>
+        <a:ea typeface="+mn-ea"/>
+        <a:cs typeface="+mn-cs"/>
+      </a:defRPr>
+    </a:lvl9pPr>
+  </p:notesStyle>
+</p:notesMaster>
+</file>
+
+<file path=ppt/notesSlides/notesSlide1.xml><?xml version="1.0" encoding="utf-8"?>
+<p:notes xmlns:a="http://schemas.openxmlformats.org/drawingml/2006/main" xmlns:r="http://schemas.openxmlformats.org/officeDocument/2006/relationships" xmlns:p="http://schemas.openxmlformats.org/presentationml/2006/main">
+  <p:cSld>
+    <p:spTree>
+      <p:nvGrpSpPr>
+        <p:cNvPr id="1" name=""/>
+        <p:cNvGrpSpPr/>
+        <p:nvPr/>
+      </p:nvGrpSpPr>
+      <p:grpSpPr>
+        <a:xfrm>
+          <a:off x="0" y="0"/>
+          <a:ext cx="0" cy="0"/>
+          <a:chOff x="0" y="0"/>
+          <a:chExt cx="0" cy="0"/>
+        </a:xfrm>
+      </p:grpSpPr>
+      <p:sp>
+        <p:nvSpPr>
+          <p:cNvPr id="2" name="Slide Image Placeholder 1"/>
+          <p:cNvSpPr>
+            <a:spLocks noGrp="1" noRot="1" noChangeAspect="1"/>
+          </p:cNvSpPr>
+          <p:nvPr>
+            <p:ph type="sldImg"/>
+          </p:nvPr>
+        </p:nvSpPr>
+        <p:spPr/>
+      </p:sp>
+      <p:sp>
+        <p:nvSpPr>
+          <p:cNvPr id="3" name="Notes Placeholder 2"/>
+          <p:cNvSpPr>
+            <a:spLocks noGrp="1"/>
+          </p:cNvSpPr>
+          <p:nvPr>
+            <p:ph type="body" idx="1"/>
+          </p:nvPr>
+        </p:nvSpPr>
+        <p:spPr/>
+        <p:txBody>
+          <a:bodyPr/>
+          <a:lstStyle/>
+          <a:p>
+            <a:r>
+              <a:rPr lang="en-CA" dirty="0" err="1"/>
+              <a:t>Apriori</a:t>
+            </a:r>
+            <a:r>
+              <a:rPr lang="en-CA" dirty="0"/>
+              <a:t> - </a:t>
+            </a:r>
+            <a:r>
+              <a:rPr lang="en-US" dirty="0"/>
+              <a:t>All subsets of a frequent itemset must also be frequent - if we drop out an item from an itemset, support value of new itemset generated will either be the same or will increase.</a:t>
+            </a:r>
+          </a:p>
+          <a:p>
+            <a:r>
+              <a:rPr lang="en-US" dirty="0" err="1"/>
+              <a:t>Apriori</a:t>
+            </a:r>
+            <a:r>
+              <a:rPr lang="en-US" dirty="0"/>
+              <a:t> principle allows us to prune all the supersets of an itemset which does not satisfy the minimum threshold condition for support. For example, if {Milk, Notebook} does not satisfy our threshold of </a:t>
+            </a:r>
+            <a:r>
+              <a:rPr lang="en-US" dirty="0" err="1"/>
+              <a:t>minsup</a:t>
+            </a:r>
+            <a:r>
+              <a:rPr lang="en-US" dirty="0"/>
+              <a:t>, an itemset with any item added to this will never cross the threshold too.</a:t>
+            </a:r>
+          </a:p>
+          <a:p>
+            <a:r>
+              <a:rPr lang="en-US" dirty="0"/>
+              <a:t>Pruning of infrequent </a:t>
+            </a:r>
+            <a:r>
+              <a:rPr lang="en-US" dirty="0" err="1"/>
+              <a:t>itemsets</a:t>
+            </a:r>
+            <a:r>
+              <a:rPr lang="en-US"/>
+              <a:t> could reduce </a:t>
+            </a:r>
+            <a:r>
+              <a:rPr lang="en-US" dirty="0"/>
+              <a:t>the number of </a:t>
+            </a:r>
+            <a:r>
+              <a:rPr lang="en-US" dirty="0" err="1"/>
+              <a:t>itemsets</a:t>
+            </a:r>
+            <a:r>
+              <a:rPr lang="en-US" dirty="0"/>
+              <a:t> to be considered by more than half! </a:t>
+            </a:r>
+            <a:endParaRPr lang="en-CA" dirty="0"/>
+          </a:p>
+        </p:txBody>
+      </p:sp>
+      <p:sp>
+        <p:nvSpPr>
+          <p:cNvPr id="4" name="Slide Number Placeholder 3"/>
+          <p:cNvSpPr>
+            <a:spLocks noGrp="1"/>
+          </p:cNvSpPr>
+          <p:nvPr>
+            <p:ph type="sldNum" sz="quarter" idx="5"/>
+          </p:nvPr>
+        </p:nvSpPr>
+        <p:spPr/>
+        <p:txBody>
+          <a:bodyPr/>
+          <a:lstStyle/>
+          <a:p>
+            <a:fld id="{F0994EC7-F371-412D-B06E-17B2EE58F8DE}" type="slidenum">
+              <a:rPr lang="en-CA" smtClean="0"/>
+              <a:t>3</a:t>
+            </a:fld>
+            <a:endParaRPr lang="en-CA"/>
+          </a:p>
+        </p:txBody>
+      </p:sp>
+    </p:spTree>
+    <p:extLst>
+      <p:ext uri="{BB962C8B-B14F-4D97-AF65-F5344CB8AC3E}">
+        <p14:creationId xmlns:p14="http://schemas.microsoft.com/office/powerpoint/2010/main" val="2434803480"/>
+      </p:ext>
+    </p:extLst>
+  </p:cSld>
+  <p:clrMapOvr>
+    <a:masterClrMapping/>
+  </p:clrMapOvr>
+</p:notes>
 </file>
 
 <file path=ppt/slideLayouts/slideLayout1.xml><?xml version="1.0" encoding="utf-8"?>
@@ -3941,7 +4439,11 @@
             </a:r>
             <a:r>
               <a:rPr lang="en-US" b="1" dirty="0"/>
-              <a:t>0.0015</a:t>
+              <a:t>0.0015 </a:t>
+            </a:r>
+            <a:r>
+              <a:rPr lang="en-US" dirty="0"/>
+              <a:t>(the itemset should occur in at least 0.15% of all transactions)</a:t>
             </a:r>
           </a:p>
           <a:p>
@@ -5111,4 +5613,299 @@
     </a:ext>
   </a:extLst>
 </a:theme>
+</file>
+
+<file path=ppt/theme/theme2.xml><?xml version="1.0" encoding="utf-8"?>
+<a:theme xmlns:a="http://schemas.openxmlformats.org/drawingml/2006/main" name="Office Theme">
+  <a:themeElements>
+    <a:clrScheme name="Office">
+      <a:dk1>
+        <a:sysClr val="windowText" lastClr="000000"/>
+      </a:dk1>
+      <a:lt1>
+        <a:sysClr val="window" lastClr="FFFFFF"/>
+      </a:lt1>
+      <a:dk2>
+        <a:srgbClr val="44546A"/>
+      </a:dk2>
+      <a:lt2>
+        <a:srgbClr val="E7E6E6"/>
+      </a:lt2>
+      <a:accent1>
+        <a:srgbClr val="4472C4"/>
+      </a:accent1>
+      <a:accent2>
+        <a:srgbClr val="ED7D31"/>
+      </a:accent2>
+      <a:accent3>
+        <a:srgbClr val="A5A5A5"/>
+      </a:accent3>
+      <a:accent4>
+        <a:srgbClr val="FFC000"/>
+      </a:accent4>
+      <a:accent5>
+        <a:srgbClr val="5B9BD5"/>
+      </a:accent5>
+      <a:accent6>
+        <a:srgbClr val="70AD47"/>
+      </a:accent6>
+      <a:hlink>
+        <a:srgbClr val="0563C1"/>
+      </a:hlink>
+      <a:folHlink>
+        <a:srgbClr val="954F72"/>
+      </a:folHlink>
+    </a:clrScheme>
+    <a:fontScheme name="Office">
+      <a:majorFont>
+        <a:latin typeface="Calibri Light" panose="020F0302020204030204"/>
+        <a:ea typeface=""/>
+        <a:cs typeface=""/>
+        <a:font script="Jpan" typeface="游ゴシック Light"/>
+        <a:font script="Hang" typeface="맑은 고딕"/>
+        <a:font script="Hans" typeface="等线 Light"/>
+        <a:font script="Hant" typeface="新細明體"/>
+        <a:font script="Arab" typeface="Times New Roman"/>
+        <a:font script="Hebr" typeface="Times New Roman"/>
+        <a:font script="Thai" typeface="Angsana New"/>
+        <a:font script="Ethi" typeface="Nyala"/>
+        <a:font script="Beng" typeface="Vrinda"/>
+        <a:font script="Gujr" typeface="Shruti"/>
+        <a:font script="Khmr" typeface="MoolBoran"/>
+        <a:font script="Knda" typeface="Tunga"/>
+        <a:font script="Guru" typeface="Raavi"/>
+        <a:font script="Cans" typeface="Euphemia"/>
+        <a:font script="Cher" typeface="Plantagenet Cherokee"/>
+        <a:font script="Yiii" typeface="Microsoft Yi Baiti"/>
+        <a:font script="Tibt" typeface="Microsoft Himalaya"/>
+        <a:font script="Thaa" typeface="MV Boli"/>
+        <a:font script="Deva" typeface="Mangal"/>
+        <a:font script="Telu" typeface="Gautami"/>
+        <a:font script="Taml" typeface="Latha"/>
+        <a:font script="Syrc" typeface="Estrangelo Edessa"/>
+        <a:font script="Orya" typeface="Kalinga"/>
+        <a:font script="Mlym" typeface="Kartika"/>
+        <a:font script="Laoo" typeface="DokChampa"/>
+        <a:font script="Sinh" typeface="Iskoola Pota"/>
+        <a:font script="Mong" typeface="Mongolian Baiti"/>
+        <a:font script="Viet" typeface="Times New Roman"/>
+        <a:font script="Uigh" typeface="Microsoft Uighur"/>
+        <a:font script="Geor" typeface="Sylfaen"/>
+        <a:font script="Armn" typeface="Arial"/>
+        <a:font script="Bugi" typeface="Leelawadee UI"/>
+        <a:font script="Bopo" typeface="Microsoft JhengHei"/>
+        <a:font script="Java" typeface="Javanese Text"/>
+        <a:font script="Lisu" typeface="Segoe UI"/>
+        <a:font script="Mymr" typeface="Myanmar Text"/>
+        <a:font script="Nkoo" typeface="Ebrima"/>
+        <a:font script="Olck" typeface="Nirmala UI"/>
+        <a:font script="Osma" typeface="Ebrima"/>
+        <a:font script="Phag" typeface="Phagspa"/>
+        <a:font script="Syrn" typeface="Estrangelo Edessa"/>
+        <a:font script="Syrj" typeface="Estrangelo Edessa"/>
+        <a:font script="Syre" typeface="Estrangelo Edessa"/>
+        <a:font script="Sora" typeface="Nirmala UI"/>
+        <a:font script="Tale" typeface="Microsoft Tai Le"/>
+        <a:font script="Talu" typeface="Microsoft New Tai Lue"/>
+        <a:font script="Tfng" typeface="Ebrima"/>
+      </a:majorFont>
+      <a:minorFont>
+        <a:latin typeface="Calibri" panose="020F0502020204030204"/>
+        <a:ea typeface=""/>
+        <a:cs typeface=""/>
+        <a:font script="Jpan" typeface="游ゴシック"/>
+        <a:font script="Hang" typeface="맑은 고딕"/>
+        <a:font script="Hans" typeface="等线"/>
+        <a:font script="Hant" typeface="新細明體"/>
+        <a:font script="Arab" typeface="Arial"/>
+        <a:font script="Hebr" typeface="Arial"/>
+        <a:font script="Thai" typeface="Cordia New"/>
+        <a:font script="Ethi" typeface="Nyala"/>
+        <a:font script="Beng" typeface="Vrinda"/>
+        <a:font script="Gujr" typeface="Shruti"/>
+        <a:font script="Khmr" typeface="DaunPenh"/>
+        <a:font script="Knda" typeface="Tunga"/>
+        <a:font script="Guru" typeface="Raavi"/>
+        <a:font script="Cans" typeface="Euphemia"/>
+        <a:font script="Cher" typeface="Plantagenet Cherokee"/>
+        <a:font script="Yiii" typeface="Microsoft Yi Baiti"/>
+        <a:font script="Tibt" typeface="Microsoft Himalaya"/>
+        <a:font script="Thaa" typeface="MV Boli"/>
+        <a:font script="Deva" typeface="Mangal"/>
+        <a:font script="Telu" typeface="Gautami"/>
+        <a:font script="Taml" typeface="Latha"/>
+        <a:font script="Syrc" typeface="Estrangelo Edessa"/>
+        <a:font script="Orya" typeface="Kalinga"/>
+        <a:font script="Mlym" typeface="Kartika"/>
+        <a:font script="Laoo" typeface="DokChampa"/>
+        <a:font script="Sinh" typeface="Iskoola Pota"/>
+        <a:font script="Mong" typeface="Mongolian Baiti"/>
+        <a:font script="Viet" typeface="Arial"/>
+        <a:font script="Uigh" typeface="Microsoft Uighur"/>
+        <a:font script="Geor" typeface="Sylfaen"/>
+        <a:font script="Armn" typeface="Arial"/>
+        <a:font script="Bugi" typeface="Leelawadee UI"/>
+        <a:font script="Bopo" typeface="Microsoft JhengHei"/>
+        <a:font script="Java" typeface="Javanese Text"/>
+        <a:font script="Lisu" typeface="Segoe UI"/>
+        <a:font script="Mymr" typeface="Myanmar Text"/>
+        <a:font script="Nkoo" typeface="Ebrima"/>
+        <a:font script="Olck" typeface="Nirmala UI"/>
+        <a:font script="Osma" typeface="Ebrima"/>
+        <a:font script="Phag" typeface="Phagspa"/>
+        <a:font script="Syrn" typeface="Estrangelo Edessa"/>
+        <a:font script="Syrj" typeface="Estrangelo Edessa"/>
+        <a:font script="Syre" typeface="Estrangelo Edessa"/>
+        <a:font script="Sora" typeface="Nirmala UI"/>
+        <a:font script="Tale" typeface="Microsoft Tai Le"/>
+        <a:font script="Talu" typeface="Microsoft New Tai Lue"/>
+        <a:font script="Tfng" typeface="Ebrima"/>
+      </a:minorFont>
+    </a:fontScheme>
+    <a:fmtScheme name="Office">
+      <a:fillStyleLst>
+        <a:solidFill>
+          <a:schemeClr val="phClr"/>
+        </a:solidFill>
+        <a:gradFill rotWithShape="1">
+          <a:gsLst>
+            <a:gs pos="0">
+              <a:schemeClr val="phClr">
+                <a:lumMod val="110000"/>
+                <a:satMod val="105000"/>
+                <a:tint val="67000"/>
+              </a:schemeClr>
+            </a:gs>
+            <a:gs pos="50000">
+              <a:schemeClr val="phClr">
+                <a:lumMod val="105000"/>
+                <a:satMod val="103000"/>
+                <a:tint val="73000"/>
+              </a:schemeClr>
+            </a:gs>
+            <a:gs pos="100000">
+              <a:schemeClr val="phClr">
+                <a:lumMod val="105000"/>
+                <a:satMod val="109000"/>
+                <a:tint val="81000"/>
+              </a:schemeClr>
+            </a:gs>
+          </a:gsLst>
+          <a:lin ang="5400000" scaled="0"/>
+        </a:gradFill>
+        <a:gradFill rotWithShape="1">
+          <a:gsLst>
+            <a:gs pos="0">
+              <a:schemeClr val="phClr">
+                <a:satMod val="103000"/>
+                <a:lumMod val="102000"/>
+                <a:tint val="94000"/>
+              </a:schemeClr>
+            </a:gs>
+            <a:gs pos="50000">
+              <a:schemeClr val="phClr">
+                <a:satMod val="110000"/>
+                <a:lumMod val="100000"/>
+                <a:shade val="100000"/>
+              </a:schemeClr>
+            </a:gs>
+            <a:gs pos="100000">
+              <a:schemeClr val="phClr">
+                <a:lumMod val="99000"/>
+                <a:satMod val="120000"/>
+                <a:shade val="78000"/>
+              </a:schemeClr>
+            </a:gs>
+          </a:gsLst>
+          <a:lin ang="5400000" scaled="0"/>
+        </a:gradFill>
+      </a:fillStyleLst>
+      <a:lnStyleLst>
+        <a:ln w="6350" cap="flat" cmpd="sng" algn="ctr">
+          <a:solidFill>
+            <a:schemeClr val="phClr"/>
+          </a:solidFill>
+          <a:prstDash val="solid"/>
+          <a:miter lim="800000"/>
+        </a:ln>
+        <a:ln w="12700" cap="flat" cmpd="sng" algn="ctr">
+          <a:solidFill>
+            <a:schemeClr val="phClr"/>
+          </a:solidFill>
+          <a:prstDash val="solid"/>
+          <a:miter lim="800000"/>
+        </a:ln>
+        <a:ln w="19050" cap="flat" cmpd="sng" algn="ctr">
+          <a:solidFill>
+            <a:schemeClr val="phClr"/>
+          </a:solidFill>
+          <a:prstDash val="solid"/>
+          <a:miter lim="800000"/>
+        </a:ln>
+      </a:lnStyleLst>
+      <a:effectStyleLst>
+        <a:effectStyle>
+          <a:effectLst/>
+        </a:effectStyle>
+        <a:effectStyle>
+          <a:effectLst/>
+        </a:effectStyle>
+        <a:effectStyle>
+          <a:effectLst>
+            <a:outerShdw blurRad="57150" dist="19050" dir="5400000" algn="ctr" rotWithShape="0">
+              <a:srgbClr val="000000">
+                <a:alpha val="63000"/>
+              </a:srgbClr>
+            </a:outerShdw>
+          </a:effectLst>
+        </a:effectStyle>
+      </a:effectStyleLst>
+      <a:bgFillStyleLst>
+        <a:solidFill>
+          <a:schemeClr val="phClr"/>
+        </a:solidFill>
+        <a:solidFill>
+          <a:schemeClr val="phClr">
+            <a:tint val="95000"/>
+            <a:satMod val="170000"/>
+          </a:schemeClr>
+        </a:solidFill>
+        <a:gradFill rotWithShape="1">
+          <a:gsLst>
+            <a:gs pos="0">
+              <a:schemeClr val="phClr">
+                <a:tint val="93000"/>
+                <a:satMod val="150000"/>
+                <a:shade val="98000"/>
+                <a:lumMod val="102000"/>
+              </a:schemeClr>
+            </a:gs>
+            <a:gs pos="50000">
+              <a:schemeClr val="phClr">
+                <a:tint val="98000"/>
+                <a:satMod val="130000"/>
+                <a:shade val="90000"/>
+                <a:lumMod val="103000"/>
+              </a:schemeClr>
+            </a:gs>
+            <a:gs pos="100000">
+              <a:schemeClr val="phClr">
+                <a:shade val="63000"/>
+                <a:satMod val="120000"/>
+              </a:schemeClr>
+            </a:gs>
+          </a:gsLst>
+          <a:lin ang="5400000" scaled="0"/>
+        </a:gradFill>
+      </a:bgFillStyleLst>
+    </a:fmtScheme>
+  </a:themeElements>
+  <a:objectDefaults/>
+  <a:extraClrSchemeLst/>
+  <a:extLst>
+    <a:ext uri="{05A4C25C-085E-4340-85A3-A5531E510DB2}">
+      <thm15:themeFamily xmlns:thm15="http://schemas.microsoft.com/office/thememl/2012/main" name="Office Theme" id="{62F939B6-93AF-4DB8-9C6B-D6C7DFDC589F}" vid="{4A3C46E8-61CC-4603-A589-7422A47A8E4A}"/>
+    </a:ext>
+  </a:extLst>
+</a:theme>
 </file>
--- a/Market Basket Analysis.pptx
+++ b/Market Basket Analysis.pptx
@@ -470,6 +470,118 @@
 </file>
 
 <file path=ppt/notesSlides/notesSlide1.xml><?xml version="1.0" encoding="utf-8"?>
+<p:notes xmlns:a="http://schemas.openxmlformats.org/drawingml/2006/main" xmlns:r="http://schemas.openxmlformats.org/officeDocument/2006/relationships" xmlns:p="http://schemas.openxmlformats.org/presentationml/2006/main">
+  <p:cSld>
+    <p:spTree>
+      <p:nvGrpSpPr>
+        <p:cNvPr id="1" name=""/>
+        <p:cNvGrpSpPr/>
+        <p:nvPr/>
+      </p:nvGrpSpPr>
+      <p:grpSpPr>
+        <a:xfrm>
+          <a:off x="0" y="0"/>
+          <a:ext cx="0" cy="0"/>
+          <a:chOff x="0" y="0"/>
+          <a:chExt cx="0" cy="0"/>
+        </a:xfrm>
+      </p:grpSpPr>
+      <p:sp>
+        <p:nvSpPr>
+          <p:cNvPr id="2" name="Slide Image Placeholder 1"/>
+          <p:cNvSpPr>
+            <a:spLocks noGrp="1" noRot="1" noChangeAspect="1"/>
+          </p:cNvSpPr>
+          <p:nvPr>
+            <p:ph type="sldImg"/>
+          </p:nvPr>
+        </p:nvSpPr>
+        <p:spPr/>
+      </p:sp>
+      <p:sp>
+        <p:nvSpPr>
+          <p:cNvPr id="3" name="Notes Placeholder 2"/>
+          <p:cNvSpPr>
+            <a:spLocks noGrp="1"/>
+          </p:cNvSpPr>
+          <p:nvPr>
+            <p:ph type="body" idx="1"/>
+          </p:nvPr>
+        </p:nvSpPr>
+        <p:spPr/>
+        <p:txBody>
+          <a:bodyPr/>
+          <a:lstStyle/>
+          <a:p>
+            <a:pPr marL="228600" indent="-228600">
+              <a:buFont typeface="+mj-lt"/>
+              <a:buAutoNum type="arabicPeriod"/>
+            </a:pPr>
+            <a:r>
+              <a:rPr lang="en-US" dirty="0"/>
+              <a:t>reduces a customer’s shopping time, </a:t>
+            </a:r>
+          </a:p>
+          <a:p>
+            <a:pPr marL="228600" indent="-228600">
+              <a:buFont typeface="+mj-lt"/>
+              <a:buAutoNum type="arabicPeriod"/>
+            </a:pPr>
+            <a:r>
+              <a:rPr lang="en-US" dirty="0"/>
+              <a:t>reminds the customer of what relevant items (s)he might be interested in buying, </a:t>
+            </a:r>
+          </a:p>
+          <a:p>
+            <a:pPr marL="228600" indent="-228600">
+              <a:buFont typeface="+mj-lt"/>
+              <a:buAutoNum type="arabicPeriod"/>
+            </a:pPr>
+            <a:r>
+              <a:rPr lang="en-US" dirty="0"/>
+              <a:t>helping stores cross-sell in the process</a:t>
+            </a:r>
+            <a:endParaRPr lang="en-CA" dirty="0"/>
+          </a:p>
+        </p:txBody>
+      </p:sp>
+      <p:sp>
+        <p:nvSpPr>
+          <p:cNvPr id="4" name="Slide Number Placeholder 3"/>
+          <p:cNvSpPr>
+            <a:spLocks noGrp="1"/>
+          </p:cNvSpPr>
+          <p:nvPr>
+            <p:ph type="sldNum" sz="quarter" idx="5"/>
+          </p:nvPr>
+        </p:nvSpPr>
+        <p:spPr/>
+        <p:txBody>
+          <a:bodyPr/>
+          <a:lstStyle/>
+          <a:p>
+            <a:fld id="{F0994EC7-F371-412D-B06E-17B2EE58F8DE}" type="slidenum">
+              <a:rPr lang="en-CA" smtClean="0"/>
+              <a:t>2</a:t>
+            </a:fld>
+            <a:endParaRPr lang="en-CA"/>
+          </a:p>
+        </p:txBody>
+      </p:sp>
+    </p:spTree>
+    <p:extLst>
+      <p:ext uri="{BB962C8B-B14F-4D97-AF65-F5344CB8AC3E}">
+        <p14:creationId xmlns:p14="http://schemas.microsoft.com/office/powerpoint/2010/main" val="623535607"/>
+      </p:ext>
+    </p:extLst>
+  </p:cSld>
+  <p:clrMapOvr>
+    <a:masterClrMapping/>
+  </p:clrMapOvr>
+</p:notes>
+</file>
+
+<file path=ppt/notesSlides/notesSlide2.xml><?xml version="1.0" encoding="utf-8"?>
 <p:notes xmlns:a="http://schemas.openxmlformats.org/drawingml/2006/main" xmlns:r="http://schemas.openxmlformats.org/officeDocument/2006/relationships" xmlns:p="http://schemas.openxmlformats.org/presentationml/2006/main">
   <p:cSld>
     <p:spTree>

--- a/Market Basket Analysis.pptx
+++ b/Market Basket Analysis.pptx
@@ -5,14 +5,16 @@
     <p:sldMasterId id="2147483660" r:id="rId1"/>
   </p:sldMasterIdLst>
   <p:notesMasterIdLst>
-    <p:notesMasterId r:id="rId7"/>
+    <p:notesMasterId r:id="rId9"/>
   </p:notesMasterIdLst>
   <p:sldIdLst>
     <p:sldId id="256" r:id="rId2"/>
     <p:sldId id="260" r:id="rId3"/>
-    <p:sldId id="257" r:id="rId4"/>
-    <p:sldId id="258" r:id="rId5"/>
-    <p:sldId id="259" r:id="rId6"/>
+    <p:sldId id="261" r:id="rId4"/>
+    <p:sldId id="257" r:id="rId5"/>
+    <p:sldId id="258" r:id="rId6"/>
+    <p:sldId id="259" r:id="rId7"/>
+    <p:sldId id="262" r:id="rId8"/>
   </p:sldIdLst>
   <p:sldSz cx="12192000" cy="6858000"/>
   <p:notesSz cx="6858000" cy="9144000"/>
@@ -201,7 +203,7 @@
           <a:p>
             <a:fld id="{E7EEBC60-0827-4C70-B207-73EBAEC13DF4}" type="datetimeFigureOut">
               <a:rPr lang="en-CA" smtClean="0"/>
-              <a:t>2021-03-17</a:t>
+              <a:t>2021-03-18</a:t>
             </a:fld>
             <a:endParaRPr lang="en-CA"/>
           </a:p>
@@ -625,6 +627,92 @@
           <a:bodyPr/>
           <a:lstStyle/>
           <a:p>
+            <a:pPr marL="0" marR="0" lvl="0" indent="0" algn="l" defTabSz="914400" rtl="0" eaLnBrk="1" fontAlgn="auto" latinLnBrk="0" hangingPunct="1">
+              <a:lnSpc>
+                <a:spcPct val="100000"/>
+              </a:lnSpc>
+              <a:spcBef>
+                <a:spcPts val="0"/>
+              </a:spcBef>
+              <a:spcAft>
+                <a:spcPts val="0"/>
+              </a:spcAft>
+              <a:buClrTx/>
+              <a:buSzTx/>
+              <a:buFontTx/>
+              <a:buNone/>
+              <a:tabLst/>
+              <a:defRPr/>
+            </a:pPr>
+            <a:r>
+              <a:rPr lang="en-US" dirty="0"/>
+              <a:t>Note: The confidence for an association rule having a very frequent consequent will always be high</a:t>
+            </a:r>
+          </a:p>
+          <a:p>
+            <a:pPr marL="0" marR="0" lvl="0" indent="0" algn="l" defTabSz="914400" rtl="0" eaLnBrk="1" fontAlgn="auto" latinLnBrk="0" hangingPunct="1">
+              <a:lnSpc>
+                <a:spcPct val="100000"/>
+              </a:lnSpc>
+              <a:spcBef>
+                <a:spcPts val="0"/>
+              </a:spcBef>
+              <a:spcAft>
+                <a:spcPts val="0"/>
+              </a:spcAft>
+              <a:buClrTx/>
+              <a:buSzTx/>
+              <a:buFontTx/>
+              <a:buNone/>
+              <a:tabLst/>
+              <a:defRPr/>
+            </a:pPr>
+            <a:endParaRPr lang="en-US" dirty="0"/>
+          </a:p>
+          <a:p>
+            <a:pPr marL="0" marR="0" lvl="0" indent="0" algn="l" defTabSz="914400" rtl="0" eaLnBrk="1" fontAlgn="auto" latinLnBrk="0" hangingPunct="1">
+              <a:lnSpc>
+                <a:spcPct val="100000"/>
+              </a:lnSpc>
+              <a:spcBef>
+                <a:spcPts val="0"/>
+              </a:spcBef>
+              <a:spcAft>
+                <a:spcPts val="0"/>
+              </a:spcAft>
+              <a:buClrTx/>
+              <a:buSzTx/>
+              <a:buFontTx/>
+              <a:buNone/>
+              <a:tabLst/>
+              <a:defRPr/>
+            </a:pPr>
+            <a:r>
+              <a:rPr lang="en-US" dirty="0"/>
+              <a:t>Lift is the measure that will help store managers to decide product placements on aisle.</a:t>
+            </a:r>
+          </a:p>
+          <a:p>
+            <a:pPr marL="0" marR="0" lvl="0" indent="0" algn="l" defTabSz="914400" rtl="0" eaLnBrk="1" fontAlgn="auto" latinLnBrk="0" hangingPunct="1">
+              <a:lnSpc>
+                <a:spcPct val="100000"/>
+              </a:lnSpc>
+              <a:spcBef>
+                <a:spcPts val="0"/>
+              </a:spcBef>
+              <a:spcAft>
+                <a:spcPts val="0"/>
+              </a:spcAft>
+              <a:buClrTx/>
+              <a:buSzTx/>
+              <a:buFontTx/>
+              <a:buNone/>
+              <a:tabLst/>
+              <a:defRPr/>
+            </a:pPr>
+            <a:endParaRPr lang="en-CA" dirty="0"/>
+          </a:p>
+          <a:p>
             <a:r>
               <a:rPr lang="en-CA" dirty="0" err="1"/>
               <a:t>Apriori</a:t>
@@ -666,12 +754,8 @@
               <a:t>itemsets</a:t>
             </a:r>
             <a:r>
-              <a:rPr lang="en-US"/>
-              <a:t> could reduce </a:t>
-            </a:r>
-            <a:r>
               <a:rPr lang="en-US" dirty="0"/>
-              <a:t>the number of </a:t>
+              <a:t> could reduce the number of </a:t>
             </a:r>
             <a:r>
               <a:rPr lang="en-US" dirty="0" err="1"/>
@@ -702,7 +786,7 @@
           <a:p>
             <a:fld id="{F0994EC7-F371-412D-B06E-17B2EE58F8DE}" type="slidenum">
               <a:rPr lang="en-CA" smtClean="0"/>
-              <a:t>3</a:t>
+              <a:t>4</a:t>
             </a:fld>
             <a:endParaRPr lang="en-CA"/>
           </a:p>
@@ -712,6 +796,90 @@
     <p:extLst>
       <p:ext uri="{BB962C8B-B14F-4D97-AF65-F5344CB8AC3E}">
         <p14:creationId xmlns:p14="http://schemas.microsoft.com/office/powerpoint/2010/main" val="2434803480"/>
+      </p:ext>
+    </p:extLst>
+  </p:cSld>
+  <p:clrMapOvr>
+    <a:masterClrMapping/>
+  </p:clrMapOvr>
+</p:notes>
+</file>
+
+<file path=ppt/notesSlides/notesSlide3.xml><?xml version="1.0" encoding="utf-8"?>
+<p:notes xmlns:a="http://schemas.openxmlformats.org/drawingml/2006/main" xmlns:r="http://schemas.openxmlformats.org/officeDocument/2006/relationships" xmlns:p="http://schemas.openxmlformats.org/presentationml/2006/main">
+  <p:cSld>
+    <p:spTree>
+      <p:nvGrpSpPr>
+        <p:cNvPr id="1" name=""/>
+        <p:cNvGrpSpPr/>
+        <p:nvPr/>
+      </p:nvGrpSpPr>
+      <p:grpSpPr>
+        <a:xfrm>
+          <a:off x="0" y="0"/>
+          <a:ext cx="0" cy="0"/>
+          <a:chOff x="0" y="0"/>
+          <a:chExt cx="0" cy="0"/>
+        </a:xfrm>
+      </p:grpSpPr>
+      <p:sp>
+        <p:nvSpPr>
+          <p:cNvPr id="2" name="Slide Image Placeholder 1"/>
+          <p:cNvSpPr>
+            <a:spLocks noGrp="1" noRot="1" noChangeAspect="1"/>
+          </p:cNvSpPr>
+          <p:nvPr>
+            <p:ph type="sldImg"/>
+          </p:nvPr>
+        </p:nvSpPr>
+        <p:spPr/>
+      </p:sp>
+      <p:sp>
+        <p:nvSpPr>
+          <p:cNvPr id="3" name="Notes Placeholder 2"/>
+          <p:cNvSpPr>
+            <a:spLocks noGrp="1"/>
+          </p:cNvSpPr>
+          <p:nvPr>
+            <p:ph type="body" idx="1"/>
+          </p:nvPr>
+        </p:nvSpPr>
+        <p:spPr/>
+        <p:txBody>
+          <a:bodyPr/>
+          <a:lstStyle/>
+          <a:p>
+            <a:endParaRPr lang="en-CA" dirty="0"/>
+          </a:p>
+        </p:txBody>
+      </p:sp>
+      <p:sp>
+        <p:nvSpPr>
+          <p:cNvPr id="4" name="Slide Number Placeholder 3"/>
+          <p:cNvSpPr>
+            <a:spLocks noGrp="1"/>
+          </p:cNvSpPr>
+          <p:nvPr>
+            <p:ph type="sldNum" sz="quarter" idx="5"/>
+          </p:nvPr>
+        </p:nvSpPr>
+        <p:spPr/>
+        <p:txBody>
+          <a:bodyPr/>
+          <a:lstStyle/>
+          <a:p>
+            <a:fld id="{F0994EC7-F371-412D-B06E-17B2EE58F8DE}" type="slidenum">
+              <a:rPr lang="en-CA" smtClean="0"/>
+              <a:t>5</a:t>
+            </a:fld>
+            <a:endParaRPr lang="en-CA"/>
+          </a:p>
+        </p:txBody>
+      </p:sp>
+    </p:spTree>
+    <p:extLst>
+      <p:ext uri="{BB962C8B-B14F-4D97-AF65-F5344CB8AC3E}">
+        <p14:creationId xmlns:p14="http://schemas.microsoft.com/office/powerpoint/2010/main" val="2685775836"/>
       </p:ext>
     </p:extLst>
   </p:cSld>
@@ -860,7 +1028,7 @@
           <a:p>
             <a:fld id="{C307B93B-720E-4564-A218-41E26D0DE574}" type="datetimeFigureOut">
               <a:rPr lang="en-CA" smtClean="0"/>
-              <a:t>2021-03-17</a:t>
+              <a:t>2021-03-18</a:t>
             </a:fld>
             <a:endParaRPr lang="en-CA"/>
           </a:p>
@@ -1071,7 +1239,7 @@
           <a:p>
             <a:fld id="{C307B93B-720E-4564-A218-41E26D0DE574}" type="datetimeFigureOut">
               <a:rPr lang="en-CA" smtClean="0"/>
-              <a:t>2021-03-17</a:t>
+              <a:t>2021-03-18</a:t>
             </a:fld>
             <a:endParaRPr lang="en-CA"/>
           </a:p>
@@ -1286,7 +1454,7 @@
           <a:p>
             <a:fld id="{C307B93B-720E-4564-A218-41E26D0DE574}" type="datetimeFigureOut">
               <a:rPr lang="en-CA" smtClean="0"/>
-              <a:t>2021-03-17</a:t>
+              <a:t>2021-03-18</a:t>
             </a:fld>
             <a:endParaRPr lang="en-CA"/>
           </a:p>
@@ -1487,7 +1655,7 @@
           <a:p>
             <a:fld id="{C307B93B-720E-4564-A218-41E26D0DE574}" type="datetimeFigureOut">
               <a:rPr lang="en-CA" smtClean="0"/>
-              <a:t>2021-03-17</a:t>
+              <a:t>2021-03-18</a:t>
             </a:fld>
             <a:endParaRPr lang="en-CA"/>
           </a:p>
@@ -1766,7 +1934,7 @@
           <a:p>
             <a:fld id="{C307B93B-720E-4564-A218-41E26D0DE574}" type="datetimeFigureOut">
               <a:rPr lang="en-CA" smtClean="0"/>
-              <a:t>2021-03-17</a:t>
+              <a:t>2021-03-18</a:t>
             </a:fld>
             <a:endParaRPr lang="en-CA"/>
           </a:p>
@@ -2034,7 +2202,7 @@
           <a:p>
             <a:fld id="{C307B93B-720E-4564-A218-41E26D0DE574}" type="datetimeFigureOut">
               <a:rPr lang="en-CA" smtClean="0"/>
-              <a:t>2021-03-17</a:t>
+              <a:t>2021-03-18</a:t>
             </a:fld>
             <a:endParaRPr lang="en-CA"/>
           </a:p>
@@ -2450,7 +2618,7 @@
           <a:p>
             <a:fld id="{C307B93B-720E-4564-A218-41E26D0DE574}" type="datetimeFigureOut">
               <a:rPr lang="en-CA" smtClean="0"/>
-              <a:t>2021-03-17</a:t>
+              <a:t>2021-03-18</a:t>
             </a:fld>
             <a:endParaRPr lang="en-CA"/>
           </a:p>
@@ -2599,7 +2767,7 @@
           <a:p>
             <a:fld id="{C307B93B-720E-4564-A218-41E26D0DE574}" type="datetimeFigureOut">
               <a:rPr lang="en-CA" smtClean="0"/>
-              <a:t>2021-03-17</a:t>
+              <a:t>2021-03-18</a:t>
             </a:fld>
             <a:endParaRPr lang="en-CA"/>
           </a:p>
@@ -2725,7 +2893,7 @@
           <a:p>
             <a:fld id="{C307B93B-720E-4564-A218-41E26D0DE574}" type="datetimeFigureOut">
               <a:rPr lang="en-CA" smtClean="0"/>
-              <a:t>2021-03-17</a:t>
+              <a:t>2021-03-18</a:t>
             </a:fld>
             <a:endParaRPr lang="en-CA"/>
           </a:p>
@@ -2976,7 +3144,7 @@
           <a:p>
             <a:fld id="{C307B93B-720E-4564-A218-41E26D0DE574}" type="datetimeFigureOut">
               <a:rPr lang="en-CA" smtClean="0"/>
-              <a:t>2021-03-17</a:t>
+              <a:t>2021-03-18</a:t>
             </a:fld>
             <a:endParaRPr lang="en-CA"/>
           </a:p>
@@ -3421,7 +3589,7 @@
           <a:p>
             <a:fld id="{C307B93B-720E-4564-A218-41E26D0DE574}" type="datetimeFigureOut">
               <a:rPr lang="en-CA" smtClean="0"/>
-              <a:t>2021-03-17</a:t>
+              <a:t>2021-03-18</a:t>
             </a:fld>
             <a:endParaRPr lang="en-CA"/>
           </a:p>
@@ -3748,7 +3916,7 @@
           <a:p>
             <a:fld id="{C307B93B-720E-4564-A218-41E26D0DE574}" type="datetimeFigureOut">
               <a:rPr lang="en-CA" smtClean="0"/>
-              <a:t>2021-03-17</a:t>
+              <a:t>2021-03-18</a:t>
             </a:fld>
             <a:endParaRPr lang="en-CA"/>
           </a:p>
@@ -4407,7 +4575,7 @@
           <a:p>
             <a:r>
               <a:rPr lang="en-CA" dirty="0"/>
-              <a:t>Business case</a:t>
+              <a:t>Data Understanding</a:t>
             </a:r>
           </a:p>
         </p:txBody>
@@ -4428,12 +4596,92 @@
             <p:ph idx="1"/>
           </p:nvPr>
         </p:nvSpPr>
-        <p:spPr/>
-        <p:txBody>
-          <a:bodyPr/>
-          <a:lstStyle/>
-          <a:p>
-            <a:endParaRPr lang="en-CA"/>
+        <p:spPr>
+          <a:xfrm>
+            <a:off x="1137146" y="1853754"/>
+            <a:ext cx="9603275" cy="4288815"/>
+          </a:xfrm>
+        </p:spPr>
+        <p:txBody>
+          <a:bodyPr>
+            <a:normAutofit/>
+          </a:bodyPr>
+          <a:lstStyle/>
+          <a:p>
+            <a:r>
+              <a:rPr lang="en-US" dirty="0"/>
+              <a:t>aisles.csv - contains aisle id and aisle description columns</a:t>
+            </a:r>
+          </a:p>
+          <a:p>
+            <a:r>
+              <a:rPr lang="en-US" dirty="0"/>
+              <a:t>departments.csv - contains department id and department description columns</a:t>
+            </a:r>
+          </a:p>
+          <a:p>
+            <a:r>
+              <a:rPr lang="en-US" dirty="0"/>
+              <a:t>products.csv - contains </a:t>
+            </a:r>
+            <a:r>
+              <a:rPr lang="en-US" dirty="0" err="1"/>
+              <a:t>product_id</a:t>
+            </a:r>
+            <a:r>
+              <a:rPr lang="en-US" dirty="0"/>
+              <a:t>, </a:t>
+            </a:r>
+            <a:r>
+              <a:rPr lang="en-US" dirty="0" err="1"/>
+              <a:t>product_name</a:t>
+            </a:r>
+            <a:r>
+              <a:rPr lang="en-US" dirty="0"/>
+              <a:t>, </a:t>
+            </a:r>
+            <a:r>
+              <a:rPr lang="en-US" dirty="0" err="1"/>
+              <a:t>aisle_id</a:t>
+            </a:r>
+            <a:r>
+              <a:rPr lang="en-US" dirty="0"/>
+              <a:t>, </a:t>
+            </a:r>
+            <a:r>
+              <a:rPr lang="en-US" dirty="0" err="1"/>
+              <a:t>department_id</a:t>
+            </a:r>
+            <a:endParaRPr lang="en-US" dirty="0"/>
+          </a:p>
+          <a:p>
+            <a:r>
+              <a:rPr lang="en-US" dirty="0"/>
+              <a:t>order_products__*.csv - These files specify which products were purchased in each order. </a:t>
+            </a:r>
+          </a:p>
+          <a:p>
+            <a:pPr lvl="1"/>
+            <a:r>
+              <a:rPr lang="en-US" dirty="0"/>
+              <a:t>order_products__prior.csv contains previous order contents for all customers. 'reordered' indicates that the customer has a previous order that contains the product. </a:t>
+            </a:r>
+          </a:p>
+          <a:p>
+            <a:pPr lvl="1"/>
+            <a:r>
+              <a:rPr lang="en-US" dirty="0"/>
+              <a:t>order_products_train.csv contains order information for transactions which will be used for training the model.</a:t>
+            </a:r>
+          </a:p>
+          <a:p>
+            <a:r>
+              <a:rPr lang="en-US" dirty="0"/>
+              <a:t>orders.csv - This file tells to which set (prior, train, test) an order belongs. </a:t>
+            </a:r>
+          </a:p>
+          <a:p>
+            <a:endParaRPr lang="en-CA" dirty="0"/>
           </a:p>
         </p:txBody>
       </p:sp>
@@ -4472,7 +4720,7 @@
           <p:cNvPr id="2" name="Title 1">
             <a:extLst>
               <a:ext uri="{FF2B5EF4-FFF2-40B4-BE49-F238E27FC236}">
-                <a16:creationId xmlns:a16="http://schemas.microsoft.com/office/drawing/2014/main" id="{2875A574-1584-4833-8F45-1616262E5D77}"/>
+                <a16:creationId xmlns:a16="http://schemas.microsoft.com/office/drawing/2014/main" id="{C42807ED-A1B2-419D-A9A3-6D9F3F6E912D}"/>
               </a:ext>
             </a:extLst>
           </p:cNvPr>
@@ -4483,19 +4731,14 @@
             <p:ph type="title"/>
           </p:nvPr>
         </p:nvSpPr>
-        <p:spPr>
-          <a:xfrm>
-            <a:off x="508604" y="781312"/>
-            <a:ext cx="9603275" cy="1049235"/>
-          </a:xfrm>
-        </p:spPr>
+        <p:spPr/>
         <p:txBody>
           <a:bodyPr/>
           <a:lstStyle/>
           <a:p>
             <a:r>
               <a:rPr lang="en-CA" dirty="0"/>
-              <a:t>Association rule</a:t>
+              <a:t>Steps to merge the data sets</a:t>
             </a:r>
           </a:p>
         </p:txBody>
@@ -4505,7 +4748,7 @@
           <p:cNvPr id="3" name="Content Placeholder 2">
             <a:extLst>
               <a:ext uri="{FF2B5EF4-FFF2-40B4-BE49-F238E27FC236}">
-                <a16:creationId xmlns:a16="http://schemas.microsoft.com/office/drawing/2014/main" id="{0E505F05-CEDB-47EB-B984-7BBD28DE1571}"/>
+                <a16:creationId xmlns:a16="http://schemas.microsoft.com/office/drawing/2014/main" id="{72F4D6D6-24A4-42C5-B0D3-941A202293EB}"/>
               </a:ext>
             </a:extLst>
           </p:cNvPr>
@@ -4518,84 +4761,56 @@
         </p:nvSpPr>
         <p:spPr>
           <a:xfrm>
-            <a:off x="822928" y="1830546"/>
-            <a:ext cx="10626121" cy="5103653"/>
+            <a:off x="1451579" y="1817657"/>
+            <a:ext cx="9603275" cy="4390635"/>
           </a:xfrm>
         </p:spPr>
         <p:txBody>
           <a:bodyPr>
-            <a:normAutofit/>
+            <a:normAutofit lnSpcReduction="10000"/>
           </a:bodyPr>
           <a:lstStyle/>
           <a:p>
             <a:r>
-              <a:rPr lang="en-CA" dirty="0"/>
-              <a:t>List of items with the same order ID are studied as a group – user information will not be taken into consideration.</a:t>
-            </a:r>
-          </a:p>
-          <a:p>
-            <a:r>
-              <a:rPr lang="en-CA" dirty="0"/>
-              <a:t>Metrics to measure the strength of the rules</a:t>
-            </a:r>
-          </a:p>
-          <a:p>
-            <a:pPr lvl="1"/>
-            <a:r>
-              <a:rPr lang="en-CA" dirty="0"/>
-              <a:t>Support: </a:t>
-            </a:r>
-            <a:r>
               <a:rPr lang="en-US" dirty="0"/>
-              <a:t>how frequent an itemset is in all the transactions – value we use: </a:t>
-            </a:r>
-            <a:r>
-              <a:rPr lang="en-US" b="1" dirty="0"/>
-              <a:t>0.0015 </a:t>
-            </a:r>
+              <a:t>1. Merged the aisles data with the products data to obtain Merged dataset 1, so that we know which aisle each product belongs to.</a:t>
+            </a:r>
+          </a:p>
+          <a:p>
+            <a:endParaRPr lang="en-US" dirty="0"/>
+          </a:p>
+          <a:p>
             <a:r>
               <a:rPr lang="en-US" dirty="0"/>
-              <a:t>(the itemset should occur in at least 0.15% of all transactions)</a:t>
-            </a:r>
-          </a:p>
-          <a:p>
-            <a:pPr lvl="1"/>
+              <a:t>2. Combined the Merged dataset 1 with the department data to obtain Merged dataset 2, so we know which aisle and department each product is from.</a:t>
+            </a:r>
+          </a:p>
+          <a:p>
+            <a:endParaRPr lang="en-US" dirty="0"/>
+          </a:p>
+          <a:p>
             <a:r>
               <a:rPr lang="en-US" dirty="0"/>
-              <a:t>Confidence: the likeliness of occurrence of consequent on the cart given that the cart already has the antecedents – value we use: </a:t>
-            </a:r>
-            <a:r>
-              <a:rPr lang="en-US" b="1" dirty="0"/>
-              <a:t>0.4</a:t>
-            </a:r>
-          </a:p>
-          <a:p>
-            <a:pPr lvl="2"/>
+              <a:t>3. Added Merged dataset 2, which contains product full information, to </a:t>
+            </a:r>
+            <a:r>
+              <a:rPr lang="en-US" dirty="0" err="1"/>
+              <a:t>order_products__train</a:t>
+            </a:r>
             <a:r>
               <a:rPr lang="en-US" dirty="0"/>
-              <a:t>Note: The confidence for an association rule having a very frequent consequent will always be high</a:t>
-            </a:r>
-          </a:p>
-          <a:p>
-            <a:pPr lvl="1"/>
+              <a:t> and </a:t>
+            </a:r>
+            <a:r>
+              <a:rPr lang="en-US" dirty="0" err="1"/>
+              <a:t>order_products__prior</a:t>
+            </a:r>
             <a:r>
               <a:rPr lang="en-US" dirty="0"/>
-              <a:t>Lift:  the rise of the confidence that {X} provides to us for having {Y} on the cart (whether X increases the chance of buying Y). </a:t>
-            </a:r>
-          </a:p>
-          <a:p>
-            <a:pPr lvl="3"/>
-            <a:r>
-              <a:rPr lang="en-US" dirty="0"/>
-              <a:t>Lift is the measure that will help store managers to decide product placements on aisle.</a:t>
-            </a:r>
-          </a:p>
-          <a:p>
-            <a:pPr lvl="1"/>
-            <a:endParaRPr lang="en-US" dirty="0"/>
-          </a:p>
-          <a:p>
-            <a:pPr lvl="1"/>
+              <a:t> files, respectively, to obtain Merged dataset 3 (Train) and Merged dataset 4 (Prior), so that we know the product information (e.g., product names, aisles and departments they belong to) of the products in the training and prior orders.</a:t>
+            </a:r>
+          </a:p>
+          <a:p>
             <a:endParaRPr lang="en-CA" dirty="0"/>
           </a:p>
         </p:txBody>
@@ -4603,7 +4818,7 @@
     </p:spTree>
     <p:extLst>
       <p:ext uri="{BB962C8B-B14F-4D97-AF65-F5344CB8AC3E}">
-        <p14:creationId xmlns:p14="http://schemas.microsoft.com/office/powerpoint/2010/main" val="3955467152"/>
+        <p14:creationId xmlns:p14="http://schemas.microsoft.com/office/powerpoint/2010/main" val="145746957"/>
       </p:ext>
     </p:extLst>
   </p:cSld>
@@ -4635,7 +4850,7 @@
           <p:cNvPr id="2" name="Title 1">
             <a:extLst>
               <a:ext uri="{FF2B5EF4-FFF2-40B4-BE49-F238E27FC236}">
-                <a16:creationId xmlns:a16="http://schemas.microsoft.com/office/drawing/2014/main" id="{06C414FB-82A1-4011-B03C-A7240A849CA4}"/>
+                <a16:creationId xmlns:a16="http://schemas.microsoft.com/office/drawing/2014/main" id="{2875A574-1584-4833-8F45-1616262E5D77}"/>
               </a:ext>
             </a:extLst>
           </p:cNvPr>
@@ -4646,7 +4861,12 @@
             <p:ph type="title"/>
           </p:nvPr>
         </p:nvSpPr>
-        <p:spPr/>
+        <p:spPr>
+          <a:xfrm>
+            <a:off x="508604" y="781312"/>
+            <a:ext cx="9603275" cy="1049235"/>
+          </a:xfrm>
+        </p:spPr>
         <p:txBody>
           <a:bodyPr/>
           <a:lstStyle/>
@@ -4663,7 +4883,7 @@
           <p:cNvPr id="3" name="Content Placeholder 2">
             <a:extLst>
               <a:ext uri="{FF2B5EF4-FFF2-40B4-BE49-F238E27FC236}">
-                <a16:creationId xmlns:a16="http://schemas.microsoft.com/office/drawing/2014/main" id="{083F216E-0355-4CA6-A2BD-FC8AC8A95A59}"/>
+                <a16:creationId xmlns:a16="http://schemas.microsoft.com/office/drawing/2014/main" id="{0E505F05-CEDB-47EB-B984-7BBD28DE1571}"/>
               </a:ext>
             </a:extLst>
           </p:cNvPr>
@@ -4676,8 +4896,8 @@
         </p:nvSpPr>
         <p:spPr>
           <a:xfrm>
-            <a:off x="1294363" y="1853754"/>
-            <a:ext cx="4958854" cy="4280346"/>
+            <a:off x="0" y="1710226"/>
+            <a:ext cx="11971421" cy="4931201"/>
           </a:xfrm>
         </p:spPr>
         <p:txBody>
@@ -4687,72 +4907,69 @@
           <a:lstStyle/>
           <a:p>
             <a:r>
-              <a:rPr lang="en-CA" dirty="0"/>
-              <a:t>In total,131,209 unique orders and 39,123 unique product names</a:t>
-            </a:r>
-          </a:p>
-          <a:p>
-            <a:r>
-              <a:rPr lang="en-CA" dirty="0"/>
-              <a:t>We chose the top 50 products to mine the rules</a:t>
+              <a:rPr lang="en-CA" sz="2400" dirty="0"/>
+              <a:t>List of items with the same order ID are studied as a group – user information will not be taken into consideration.</a:t>
+            </a:r>
+          </a:p>
+          <a:p>
+            <a:r>
+              <a:rPr lang="en-CA" sz="2400" dirty="0"/>
+              <a:t>Goal: to recommend frequently bought together items</a:t>
+            </a:r>
+          </a:p>
+          <a:p>
+            <a:r>
+              <a:rPr lang="en-CA" sz="2400" dirty="0"/>
+              <a:t>Metrics to measure the strength of the rules</a:t>
             </a:r>
           </a:p>
           <a:p>
             <a:pPr lvl="1"/>
             <a:r>
-              <a:rPr lang="en-CA" dirty="0"/>
-              <a:t>Less frequently bought items have less chance of appearing in any rules</a:t>
+              <a:rPr lang="en-CA" sz="2000" dirty="0"/>
+              <a:t>Support: </a:t>
+            </a:r>
+            <a:r>
+              <a:rPr lang="en-US" sz="2000" dirty="0"/>
+              <a:t>how frequent an itemset is in all the transactions – value we use: </a:t>
+            </a:r>
+            <a:r>
+              <a:rPr lang="en-US" sz="2000" b="1" dirty="0"/>
+              <a:t>0.0005 </a:t>
+            </a:r>
+            <a:r>
+              <a:rPr lang="en-US" sz="2000" dirty="0"/>
+              <a:t>(the itemset should occur in at least 0.05% of all transactions)</a:t>
             </a:r>
           </a:p>
           <a:p>
             <a:pPr lvl="1"/>
             <a:r>
-              <a:rPr lang="en-CA" dirty="0"/>
-              <a:t>Less frequently bought items will not affect the rules much</a:t>
-            </a:r>
-          </a:p>
-        </p:txBody>
-      </p:sp>
-      <p:pic>
-        <p:nvPicPr>
-          <p:cNvPr id="5" name="Picture 4">
-            <a:extLst>
-              <a:ext uri="{FF2B5EF4-FFF2-40B4-BE49-F238E27FC236}">
-                <a16:creationId xmlns:a16="http://schemas.microsoft.com/office/drawing/2014/main" id="{D6F76B67-6999-4691-8BDC-E64457DC4262}"/>
-              </a:ext>
-            </a:extLst>
-          </p:cNvPr>
-          <p:cNvPicPr>
-            <a:picLocks noChangeAspect="1"/>
-          </p:cNvPicPr>
-          <p:nvPr/>
-        </p:nvPicPr>
-        <p:blipFill>
-          <a:blip r:embed="rId2">
-            <a:extLst>
-              <a:ext uri="{28A0092B-C50C-407E-A947-70E740481C1C}">
-                <a14:useLocalDpi xmlns:a14="http://schemas.microsoft.com/office/drawing/2010/main" val="0"/>
-              </a:ext>
-            </a:extLst>
-          </a:blip>
-          <a:stretch>
-            <a:fillRect/>
-          </a:stretch>
-        </p:blipFill>
-        <p:spPr>
-          <a:xfrm>
-            <a:off x="6410433" y="1853753"/>
-            <a:ext cx="5770404" cy="3880297"/>
-          </a:xfrm>
-          <a:prstGeom prst="rect">
-            <a:avLst/>
-          </a:prstGeom>
-        </p:spPr>
-      </p:pic>
+              <a:rPr lang="en-US" sz="2000" dirty="0"/>
+              <a:t>Confidence: the likeliness of occurrence of consequent on the cart given that the cart already has the antecedents – value we use: </a:t>
+            </a:r>
+            <a:r>
+              <a:rPr lang="en-US" sz="2000" b="1" dirty="0"/>
+              <a:t>0.4</a:t>
+            </a:r>
+          </a:p>
+          <a:p>
+            <a:pPr lvl="1"/>
+            <a:r>
+              <a:rPr lang="en-US" sz="2000" dirty="0"/>
+              <a:t>Lift:  the rise of the confidence that {X} provides to us for having {Y} on the cart (whether X increases the chance of buying Y). </a:t>
+            </a:r>
+          </a:p>
+          <a:p>
+            <a:pPr lvl="1"/>
+            <a:endParaRPr lang="en-CA" dirty="0"/>
+          </a:p>
+        </p:txBody>
+      </p:sp>
     </p:spTree>
     <p:extLst>
       <p:ext uri="{BB962C8B-B14F-4D97-AF65-F5344CB8AC3E}">
-        <p14:creationId xmlns:p14="http://schemas.microsoft.com/office/powerpoint/2010/main" val="449665854"/>
+        <p14:creationId xmlns:p14="http://schemas.microsoft.com/office/powerpoint/2010/main" val="3955467152"/>
       </p:ext>
     </p:extLst>
   </p:cSld>
@@ -4784,6 +5001,161 @@
           <p:cNvPr id="2" name="Title 1">
             <a:extLst>
               <a:ext uri="{FF2B5EF4-FFF2-40B4-BE49-F238E27FC236}">
+                <a16:creationId xmlns:a16="http://schemas.microsoft.com/office/drawing/2014/main" id="{06C414FB-82A1-4011-B03C-A7240A849CA4}"/>
+              </a:ext>
+            </a:extLst>
+          </p:cNvPr>
+          <p:cNvSpPr>
+            <a:spLocks noGrp="1"/>
+          </p:cNvSpPr>
+          <p:nvPr>
+            <p:ph type="title"/>
+          </p:nvPr>
+        </p:nvSpPr>
+        <p:spPr/>
+        <p:txBody>
+          <a:bodyPr/>
+          <a:lstStyle/>
+          <a:p>
+            <a:r>
+              <a:rPr lang="en-CA" dirty="0"/>
+              <a:t>Association rule</a:t>
+            </a:r>
+          </a:p>
+        </p:txBody>
+      </p:sp>
+      <p:sp>
+        <p:nvSpPr>
+          <p:cNvPr id="3" name="Content Placeholder 2">
+            <a:extLst>
+              <a:ext uri="{FF2B5EF4-FFF2-40B4-BE49-F238E27FC236}">
+                <a16:creationId xmlns:a16="http://schemas.microsoft.com/office/drawing/2014/main" id="{083F216E-0355-4CA6-A2BD-FC8AC8A95A59}"/>
+              </a:ext>
+            </a:extLst>
+          </p:cNvPr>
+          <p:cNvSpPr>
+            <a:spLocks noGrp="1"/>
+          </p:cNvSpPr>
+          <p:nvPr>
+            <p:ph idx="1"/>
+          </p:nvPr>
+        </p:nvSpPr>
+        <p:spPr>
+          <a:xfrm>
+            <a:off x="1294363" y="1853754"/>
+            <a:ext cx="4958854" cy="4280346"/>
+          </a:xfrm>
+        </p:spPr>
+        <p:txBody>
+          <a:bodyPr>
+            <a:normAutofit/>
+          </a:bodyPr>
+          <a:lstStyle/>
+          <a:p>
+            <a:r>
+              <a:rPr lang="en-CA" dirty="0"/>
+              <a:t>In total, there are 3,214,874 unique orders and 49,677 unique product names</a:t>
+            </a:r>
+          </a:p>
+          <a:p>
+            <a:r>
+              <a:rPr lang="en-CA" dirty="0"/>
+              <a:t>We chose the top 50 products to mine the rules</a:t>
+            </a:r>
+          </a:p>
+          <a:p>
+            <a:pPr lvl="1"/>
+            <a:r>
+              <a:rPr lang="en-CA" dirty="0"/>
+              <a:t>Less frequently bought items have less chance of appearing in any rules</a:t>
+            </a:r>
+          </a:p>
+          <a:p>
+            <a:pPr lvl="1"/>
+            <a:r>
+              <a:rPr lang="en-CA" dirty="0"/>
+              <a:t>Less frequently bought items will not affect the rules much</a:t>
+            </a:r>
+          </a:p>
+          <a:p>
+            <a:r>
+              <a:rPr lang="en-US" sz="2000" dirty="0"/>
+              <a:t>61 rules</a:t>
+            </a:r>
+          </a:p>
+        </p:txBody>
+      </p:sp>
+      <p:pic>
+        <p:nvPicPr>
+          <p:cNvPr id="6" name="Picture 5">
+            <a:extLst>
+              <a:ext uri="{FF2B5EF4-FFF2-40B4-BE49-F238E27FC236}">
+                <a16:creationId xmlns:a16="http://schemas.microsoft.com/office/drawing/2014/main" id="{11DDBC5D-7ECD-4604-8765-3137690AA0EA}"/>
+              </a:ext>
+            </a:extLst>
+          </p:cNvPr>
+          <p:cNvPicPr>
+            <a:picLocks noChangeAspect="1"/>
+          </p:cNvPicPr>
+          <p:nvPr/>
+        </p:nvPicPr>
+        <p:blipFill>
+          <a:blip r:embed="rId3">
+            <a:extLst>
+              <a:ext uri="{28A0092B-C50C-407E-A947-70E740481C1C}">
+                <a14:useLocalDpi xmlns:a14="http://schemas.microsoft.com/office/drawing/2010/main" val="0"/>
+              </a:ext>
+            </a:extLst>
+          </a:blip>
+          <a:stretch>
+            <a:fillRect/>
+          </a:stretch>
+        </p:blipFill>
+        <p:spPr>
+          <a:xfrm>
+            <a:off x="6253216" y="2083951"/>
+            <a:ext cx="5918817" cy="3969530"/>
+          </a:xfrm>
+          <a:prstGeom prst="rect">
+            <a:avLst/>
+          </a:prstGeom>
+        </p:spPr>
+      </p:pic>
+    </p:spTree>
+    <p:extLst>
+      <p:ext uri="{BB962C8B-B14F-4D97-AF65-F5344CB8AC3E}">
+        <p14:creationId xmlns:p14="http://schemas.microsoft.com/office/powerpoint/2010/main" val="449665854"/>
+      </p:ext>
+    </p:extLst>
+  </p:cSld>
+  <p:clrMapOvr>
+    <a:masterClrMapping/>
+  </p:clrMapOvr>
+</p:sld>
+</file>
+
+<file path=ppt/slides/slide6.xml><?xml version="1.0" encoding="utf-8"?>
+<p:sld xmlns:a="http://schemas.openxmlformats.org/drawingml/2006/main" xmlns:r="http://schemas.openxmlformats.org/officeDocument/2006/relationships" xmlns:p="http://schemas.openxmlformats.org/presentationml/2006/main">
+  <p:cSld>
+    <p:spTree>
+      <p:nvGrpSpPr>
+        <p:cNvPr id="1" name=""/>
+        <p:cNvGrpSpPr/>
+        <p:nvPr/>
+      </p:nvGrpSpPr>
+      <p:grpSpPr>
+        <a:xfrm>
+          <a:off x="0" y="0"/>
+          <a:ext cx="0" cy="0"/>
+          <a:chOff x="0" y="0"/>
+          <a:chExt cx="0" cy="0"/>
+        </a:xfrm>
+      </p:grpSpPr>
+      <p:sp>
+        <p:nvSpPr>
+          <p:cNvPr id="2" name="Title 1">
+            <a:extLst>
+              <a:ext uri="{FF2B5EF4-FFF2-40B4-BE49-F238E27FC236}">
                 <a16:creationId xmlns:a16="http://schemas.microsoft.com/office/drawing/2014/main" id="{8C7B76B4-3923-4F26-97C9-8F4F1437DEBD}"/>
               </a:ext>
             </a:extLst>
@@ -4809,10 +5181,10 @@
       </p:sp>
       <p:pic>
         <p:nvPicPr>
-          <p:cNvPr id="9" name="Content Placeholder 8">
+          <p:cNvPr id="6" name="Content Placeholder 5">
             <a:extLst>
               <a:ext uri="{FF2B5EF4-FFF2-40B4-BE49-F238E27FC236}">
-                <a16:creationId xmlns:a16="http://schemas.microsoft.com/office/drawing/2014/main" id="{72AFC739-6FE8-408F-AA5E-EF8CDED71EE7}"/>
+                <a16:creationId xmlns:a16="http://schemas.microsoft.com/office/drawing/2014/main" id="{2219A6A8-A2F2-4D19-AA95-DE9B44A46FE7}"/>
               </a:ext>
             </a:extLst>
           </p:cNvPr>
@@ -4837,17 +5209,17 @@
         </p:blipFill>
         <p:spPr>
           <a:xfrm>
-            <a:off x="4297681" y="1085851"/>
-            <a:ext cx="7894319" cy="5638800"/>
+            <a:off x="4910506" y="938463"/>
+            <a:ext cx="7281496" cy="5201069"/>
           </a:xfrm>
         </p:spPr>
       </p:pic>
       <p:graphicFrame>
         <p:nvGraphicFramePr>
-          <p:cNvPr id="14" name="Table 13">
+          <p:cNvPr id="7" name="Table 6">
             <a:extLst>
               <a:ext uri="{FF2B5EF4-FFF2-40B4-BE49-F238E27FC236}">
-                <a16:creationId xmlns:a16="http://schemas.microsoft.com/office/drawing/2014/main" id="{74E2DCD0-3309-4EEA-8D0F-96F15B7D0A59}"/>
+                <a16:creationId xmlns:a16="http://schemas.microsoft.com/office/drawing/2014/main" id="{31E76E90-B64C-46C6-82AF-7A955F686735}"/>
               </a:ext>
             </a:extLst>
           </p:cNvPr>
@@ -4857,14 +5229,14 @@
           <p:nvPr>
             <p:extLst>
               <p:ext uri="{D42A27DB-BD31-4B8C-83A1-F6EECF244321}">
-                <p14:modId xmlns:p14="http://schemas.microsoft.com/office/powerpoint/2010/main" val="3687496351"/>
+                <p14:modId xmlns:p14="http://schemas.microsoft.com/office/powerpoint/2010/main" val="294003579"/>
               </p:ext>
             </p:extLst>
           </p:nvPr>
         </p:nvGraphicFramePr>
         <p:xfrm>
-          <a:off x="157216" y="1465992"/>
-          <a:ext cx="6200775" cy="1824990"/>
+          <a:off x="58302" y="1640730"/>
+          <a:ext cx="6002326" cy="2648698"/>
         </p:xfrm>
         <a:graphic>
           <a:graphicData uri="http://schemas.openxmlformats.org/drawingml/2006/table">
@@ -4873,312 +5245,61 @@
                 <a:tableStyleId>{5C22544A-7EE6-4342-B048-85BDC9FD1C3A}</a:tableStyleId>
               </a:tblPr>
               <a:tblGrid>
-                <a:gridCol w="2078038">
+                <a:gridCol w="1710339">
                   <a:extLst>
                     <a:ext uri="{9D8B030D-6E8A-4147-A177-3AD203B41FA5}">
-                      <a16:colId xmlns:a16="http://schemas.microsoft.com/office/drawing/2014/main" val="3679278720"/>
+                      <a16:colId xmlns:a16="http://schemas.microsoft.com/office/drawing/2014/main" val="1143750560"/>
                     </a:ext>
                   </a:extLst>
                 </a:gridCol>
-                <a:gridCol w="398462">
+                <a:gridCol w="361279">
                   <a:extLst>
                     <a:ext uri="{9D8B030D-6E8A-4147-A177-3AD203B41FA5}">
-                      <a16:colId xmlns:a16="http://schemas.microsoft.com/office/drawing/2014/main" val="1185951121"/>
+                      <a16:colId xmlns:a16="http://schemas.microsoft.com/office/drawing/2014/main" val="941667169"/>
                     </a:ext>
                   </a:extLst>
                 </a:gridCol>
-                <a:gridCol w="1536700">
+                <a:gridCol w="1383300">
                   <a:extLst>
                     <a:ext uri="{9D8B030D-6E8A-4147-A177-3AD203B41FA5}">
-                      <a16:colId xmlns:a16="http://schemas.microsoft.com/office/drawing/2014/main" val="1509805113"/>
+                      <a16:colId xmlns:a16="http://schemas.microsoft.com/office/drawing/2014/main" val="3454983044"/>
                     </a:ext>
                   </a:extLst>
                 </a:gridCol>
-                <a:gridCol w="750888">
+                <a:gridCol w="854242">
                   <a:extLst>
                     <a:ext uri="{9D8B030D-6E8A-4147-A177-3AD203B41FA5}">
-                      <a16:colId xmlns:a16="http://schemas.microsoft.com/office/drawing/2014/main" val="4280597901"/>
+                      <a16:colId xmlns:a16="http://schemas.microsoft.com/office/drawing/2014/main" val="1258681256"/>
                     </a:ext>
                   </a:extLst>
                 </a:gridCol>
-                <a:gridCol w="860371">
+                <a:gridCol w="1062038">
                   <a:extLst>
                     <a:ext uri="{9D8B030D-6E8A-4147-A177-3AD203B41FA5}">
-                      <a16:colId xmlns:a16="http://schemas.microsoft.com/office/drawing/2014/main" val="301888627"/>
+                      <a16:colId xmlns:a16="http://schemas.microsoft.com/office/drawing/2014/main" val="2165319343"/>
                     </a:ext>
                   </a:extLst>
                 </a:gridCol>
-                <a:gridCol w="576316">
+                <a:gridCol w="631128">
                   <a:extLst>
                     <a:ext uri="{9D8B030D-6E8A-4147-A177-3AD203B41FA5}">
-                      <a16:colId xmlns:a16="http://schemas.microsoft.com/office/drawing/2014/main" val="2622717010"/>
+                      <a16:colId xmlns:a16="http://schemas.microsoft.com/office/drawing/2014/main" val="815264961"/>
                     </a:ext>
                   </a:extLst>
                 </a:gridCol>
               </a:tblGrid>
-              <a:tr h="409575">
-                <a:tc gridSpan="6">
-                  <a:txBody>
-                    <a:bodyPr/>
-                    <a:lstStyle/>
-                    <a:p>
-                      <a:pPr algn="ctr" fontAlgn="b"/>
-                      <a:r>
-                        <a:rPr lang="en-CA" sz="1600" b="1" i="0" u="none" strike="noStrike" dirty="0">
-                          <a:solidFill>
-                            <a:srgbClr val="000000"/>
-                          </a:solidFill>
-                          <a:effectLst/>
-                          <a:latin typeface="+mj-lt"/>
-                        </a:rPr>
-                        <a:t>Sample rules</a:t>
-                      </a:r>
-                    </a:p>
-                  </a:txBody>
-                  <a:tcPr marL="6350" marR="6350" marT="6350" marB="0" anchor="ctr"/>
-                </a:tc>
-                <a:tc hMerge="1">
-                  <a:txBody>
-                    <a:bodyPr/>
-                    <a:lstStyle/>
-                    <a:p>
-                      <a:pPr algn="l" fontAlgn="b"/>
-                      <a:endParaRPr lang="en-CA" sz="1400" b="0" i="0" u="none" strike="noStrike" dirty="0">
-                        <a:solidFill>
-                          <a:srgbClr val="000000"/>
-                        </a:solidFill>
-                        <a:effectLst/>
-                        <a:latin typeface="Calibri" panose="020F0502020204030204" pitchFamily="34" charset="0"/>
-                      </a:endParaRPr>
-                    </a:p>
-                  </a:txBody>
-                  <a:tcPr marL="6350" marR="6350" marT="6350" marB="0" anchor="b"/>
-                </a:tc>
-                <a:tc hMerge="1">
-                  <a:txBody>
-                    <a:bodyPr/>
-                    <a:lstStyle/>
-                    <a:p>
-                      <a:pPr algn="l" fontAlgn="b"/>
-                      <a:endParaRPr lang="en-CA" sz="1400" b="0" i="0" u="none" strike="noStrike" dirty="0">
-                        <a:solidFill>
-                          <a:srgbClr val="000000"/>
-                        </a:solidFill>
-                        <a:effectLst/>
-                        <a:latin typeface="Calibri" panose="020F0502020204030204" pitchFamily="34" charset="0"/>
-                      </a:endParaRPr>
-                    </a:p>
-                  </a:txBody>
-                  <a:tcPr marL="6350" marR="6350" marT="6350" marB="0" anchor="b"/>
-                </a:tc>
-                <a:tc hMerge="1">
-                  <a:txBody>
-                    <a:bodyPr/>
-                    <a:lstStyle/>
-                    <a:p>
-                      <a:pPr algn="l" fontAlgn="b"/>
-                      <a:endParaRPr lang="en-CA" sz="1400" b="0" i="0" u="none" strike="noStrike" dirty="0">
-                        <a:solidFill>
-                          <a:srgbClr val="000000"/>
-                        </a:solidFill>
-                        <a:effectLst/>
-                        <a:latin typeface="Calibri" panose="020F0502020204030204" pitchFamily="34" charset="0"/>
-                      </a:endParaRPr>
-                    </a:p>
-                  </a:txBody>
-                  <a:tcPr marL="6350" marR="6350" marT="6350" marB="0" anchor="b"/>
-                </a:tc>
-                <a:tc hMerge="1">
-                  <a:txBody>
-                    <a:bodyPr/>
-                    <a:lstStyle/>
-                    <a:p>
-                      <a:pPr algn="l" fontAlgn="b"/>
-                      <a:endParaRPr lang="en-CA" sz="1400" b="0" i="0" u="none" strike="noStrike" dirty="0">
-                        <a:solidFill>
-                          <a:srgbClr val="000000"/>
-                        </a:solidFill>
-                        <a:effectLst/>
-                        <a:latin typeface="Calibri" panose="020F0502020204030204" pitchFamily="34" charset="0"/>
-                      </a:endParaRPr>
-                    </a:p>
-                  </a:txBody>
-                  <a:tcPr marL="6350" marR="6350" marT="6350" marB="0" anchor="b"/>
-                </a:tc>
-                <a:tc hMerge="1">
-                  <a:txBody>
-                    <a:bodyPr/>
-                    <a:lstStyle/>
-                    <a:p>
-                      <a:pPr algn="l" fontAlgn="b"/>
-                      <a:endParaRPr lang="en-CA" sz="1400" b="0" i="0" u="none" strike="noStrike" dirty="0">
-                        <a:solidFill>
-                          <a:srgbClr val="000000"/>
-                        </a:solidFill>
-                        <a:effectLst/>
-                        <a:latin typeface="Calibri" panose="020F0502020204030204" pitchFamily="34" charset="0"/>
-                      </a:endParaRPr>
-                    </a:p>
-                  </a:txBody>
-                  <a:tcPr marL="6350" marR="6350" marT="6350" marB="0" anchor="b"/>
-                </a:tc>
-                <a:extLst>
-                  <a:ext uri="{0D108BD9-81ED-4DB2-BD59-A6C34878D82A}">
-                    <a16:rowId xmlns:a16="http://schemas.microsoft.com/office/drawing/2014/main" val="3776964501"/>
-                  </a:ext>
-                </a:extLst>
-              </a:tr>
-              <a:tr h="305435">
+              <a:tr h="635374">
                 <a:tc>
                   <a:txBody>
                     <a:bodyPr/>
                     <a:lstStyle/>
                     <a:p>
-                      <a:pPr algn="l" fontAlgn="b"/>
+                      <a:pPr algn="ctr" fontAlgn="ctr"/>
                       <a:r>
-                        <a:rPr lang="en-CA" sz="1400" u="none" strike="noStrike" dirty="0" err="1">
+                        <a:rPr lang="en-CA" sz="1800" u="none" strike="noStrike" dirty="0" err="1">
                           <a:effectLst/>
                         </a:rPr>
                         <a:t>lhs</a:t>
-                      </a:r>
-                      <a:endParaRPr lang="en-CA" sz="1400" b="0" i="0" u="none" strike="noStrike" dirty="0">
-                        <a:solidFill>
-                          <a:srgbClr val="000000"/>
-                        </a:solidFill>
-                        <a:effectLst/>
-                        <a:latin typeface="Calibri" panose="020F0502020204030204" pitchFamily="34" charset="0"/>
-                      </a:endParaRPr>
-                    </a:p>
-                  </a:txBody>
-                  <a:tcPr marL="6350" marR="6350" marT="6350" marB="0" anchor="ctr"/>
-                </a:tc>
-                <a:tc>
-                  <a:txBody>
-                    <a:bodyPr/>
-                    <a:lstStyle/>
-                    <a:p>
-                      <a:pPr algn="l" fontAlgn="b"/>
-                      <a:endParaRPr lang="en-CA" sz="1400" b="0" i="0" u="none" strike="noStrike" dirty="0">
-                        <a:solidFill>
-                          <a:srgbClr val="000000"/>
-                        </a:solidFill>
-                        <a:effectLst/>
-                        <a:latin typeface="Calibri" panose="020F0502020204030204" pitchFamily="34" charset="0"/>
-                      </a:endParaRPr>
-                    </a:p>
-                  </a:txBody>
-                  <a:tcPr marL="6350" marR="6350" marT="6350" marB="0" anchor="ctr"/>
-                </a:tc>
-                <a:tc>
-                  <a:txBody>
-                    <a:bodyPr/>
-                    <a:lstStyle/>
-                    <a:p>
-                      <a:pPr algn="l" fontAlgn="b"/>
-                      <a:r>
-                        <a:rPr lang="en-CA" sz="1400" u="none" strike="noStrike" dirty="0" err="1">
-                          <a:effectLst/>
-                        </a:rPr>
-                        <a:t>rhs</a:t>
-                      </a:r>
-                      <a:endParaRPr lang="en-CA" sz="1400" b="0" i="0" u="none" strike="noStrike" dirty="0">
-                        <a:solidFill>
-                          <a:srgbClr val="000000"/>
-                        </a:solidFill>
-                        <a:effectLst/>
-                        <a:latin typeface="Calibri" panose="020F0502020204030204" pitchFamily="34" charset="0"/>
-                      </a:endParaRPr>
-                    </a:p>
-                  </a:txBody>
-                  <a:tcPr marL="6350" marR="6350" marT="6350" marB="0" anchor="ctr"/>
-                </a:tc>
-                <a:tc>
-                  <a:txBody>
-                    <a:bodyPr/>
-                    <a:lstStyle/>
-                    <a:p>
-                      <a:pPr algn="l" fontAlgn="b"/>
-                      <a:r>
-                        <a:rPr lang="en-CA" sz="1400" u="none" strike="noStrike" dirty="0">
-                          <a:effectLst/>
-                        </a:rPr>
-                        <a:t>support</a:t>
-                      </a:r>
-                      <a:endParaRPr lang="en-CA" sz="1400" b="0" i="0" u="none" strike="noStrike" dirty="0">
-                        <a:solidFill>
-                          <a:srgbClr val="000000"/>
-                        </a:solidFill>
-                        <a:effectLst/>
-                        <a:latin typeface="Calibri" panose="020F0502020204030204" pitchFamily="34" charset="0"/>
-                      </a:endParaRPr>
-                    </a:p>
-                  </a:txBody>
-                  <a:tcPr marL="6350" marR="6350" marT="6350" marB="0" anchor="ctr"/>
-                </a:tc>
-                <a:tc>
-                  <a:txBody>
-                    <a:bodyPr/>
-                    <a:lstStyle/>
-                    <a:p>
-                      <a:pPr algn="l" fontAlgn="b"/>
-                      <a:r>
-                        <a:rPr lang="en-CA" sz="1400" u="none" strike="noStrike" dirty="0">
-                          <a:effectLst/>
-                        </a:rPr>
-                        <a:t>confidence</a:t>
-                      </a:r>
-                      <a:endParaRPr lang="en-CA" sz="1400" b="0" i="0" u="none" strike="noStrike" dirty="0">
-                        <a:solidFill>
-                          <a:srgbClr val="000000"/>
-                        </a:solidFill>
-                        <a:effectLst/>
-                        <a:latin typeface="Calibri" panose="020F0502020204030204" pitchFamily="34" charset="0"/>
-                      </a:endParaRPr>
-                    </a:p>
-                  </a:txBody>
-                  <a:tcPr marL="6350" marR="6350" marT="6350" marB="0" anchor="ctr"/>
-                </a:tc>
-                <a:tc>
-                  <a:txBody>
-                    <a:bodyPr/>
-                    <a:lstStyle/>
-                    <a:p>
-                      <a:pPr algn="l" fontAlgn="b"/>
-                      <a:r>
-                        <a:rPr lang="en-CA" sz="1400" u="none" strike="noStrike" dirty="0">
-                          <a:effectLst/>
-                        </a:rPr>
-                        <a:t>lift</a:t>
-                      </a:r>
-                      <a:endParaRPr lang="en-CA" sz="1400" b="0" i="0" u="none" strike="noStrike" dirty="0">
-                        <a:solidFill>
-                          <a:srgbClr val="000000"/>
-                        </a:solidFill>
-                        <a:effectLst/>
-                        <a:latin typeface="Calibri" panose="020F0502020204030204" pitchFamily="34" charset="0"/>
-                      </a:endParaRPr>
-                    </a:p>
-                  </a:txBody>
-                  <a:tcPr marL="6350" marR="6350" marT="6350" marB="0" anchor="ctr"/>
-                </a:tc>
-                <a:extLst>
-                  <a:ext uri="{0D108BD9-81ED-4DB2-BD59-A6C34878D82A}">
-                    <a16:rowId xmlns:a16="http://schemas.microsoft.com/office/drawing/2014/main" val="763857754"/>
-                  </a:ext>
-                </a:extLst>
-              </a:tr>
-              <a:tr h="184150">
-                <a:tc>
-                  <a:txBody>
-                    <a:bodyPr/>
-                    <a:lstStyle/>
-                    <a:p>
-                      <a:pPr algn="l" fontAlgn="b"/>
-                      <a:r>
-                        <a:rPr lang="en-CA" sz="1800" u="none" strike="noStrike" dirty="0">
-                          <a:effectLst/>
-                        </a:rPr>
-                        <a:t>{Broccoli Crown, Organic Avocado}</a:t>
                       </a:r>
                       <a:endParaRPr lang="en-CA" sz="1800" b="0" i="0" u="none" strike="noStrike" dirty="0">
                         <a:solidFill>
@@ -5196,12 +5317,35 @@
                     <a:bodyPr/>
                     <a:lstStyle/>
                     <a:p>
-                      <a:pPr algn="l" fontAlgn="b"/>
+                      <a:pPr algn="ctr" fontAlgn="ctr"/>
                       <a:r>
-                        <a:rPr lang="en-CA" sz="1800" u="none" strike="noStrike" dirty="0">
+                        <a:rPr lang="en-CA" sz="1800" u="none" strike="noStrike">
                           <a:effectLst/>
                         </a:rPr>
-                        <a:t>=&gt;</a:t>
+                        <a:t> </a:t>
+                      </a:r>
+                      <a:endParaRPr lang="en-CA" sz="1800" b="0" i="0" u="none" strike="noStrike">
+                        <a:solidFill>
+                          <a:srgbClr val="000000"/>
+                        </a:solidFill>
+                        <a:effectLst/>
+                        <a:latin typeface="Calibri" panose="020F0502020204030204" pitchFamily="34" charset="0"/>
+                      </a:endParaRPr>
+                    </a:p>
+                  </a:txBody>
+                  <a:tcPr marL="6350" marR="6350" marT="6350" marB="0" anchor="ctr"/>
+                </a:tc>
+                <a:tc>
+                  <a:txBody>
+                    <a:bodyPr/>
+                    <a:lstStyle/>
+                    <a:p>
+                      <a:pPr algn="ctr" fontAlgn="ctr"/>
+                      <a:r>
+                        <a:rPr lang="en-CA" sz="1800" u="none" strike="noStrike" dirty="0" err="1">
+                          <a:effectLst/>
+                        </a:rPr>
+                        <a:t>rhs</a:t>
                       </a:r>
                       <a:endParaRPr lang="en-CA" sz="1800" b="0" i="0" u="none" strike="noStrike" dirty="0">
                         <a:solidFill>
@@ -5219,14 +5363,14 @@
                     <a:bodyPr/>
                     <a:lstStyle/>
                     <a:p>
-                      <a:pPr algn="l" fontAlgn="b"/>
+                      <a:pPr algn="ctr" fontAlgn="ctr"/>
                       <a:r>
-                        <a:rPr lang="en-CA" sz="1800" u="none" strike="noStrike" dirty="0">
+                        <a:rPr lang="en-CA" sz="1800" u="none" strike="noStrike">
                           <a:effectLst/>
                         </a:rPr>
-                        <a:t>{Banana}</a:t>
+                        <a:t>support</a:t>
                       </a:r>
-                      <a:endParaRPr lang="en-CA" sz="1800" b="0" i="0" u="none" strike="noStrike" dirty="0">
+                      <a:endParaRPr lang="en-CA" sz="1800" b="0" i="0" u="none" strike="noStrike">
                         <a:solidFill>
                           <a:srgbClr val="000000"/>
                         </a:solidFill>
@@ -5242,14 +5386,14 @@
                     <a:bodyPr/>
                     <a:lstStyle/>
                     <a:p>
-                      <a:pPr algn="r" fontAlgn="b"/>
+                      <a:pPr algn="ctr" fontAlgn="ctr"/>
                       <a:r>
-                        <a:rPr lang="en-CA" sz="1800" u="none" strike="noStrike" dirty="0">
+                        <a:rPr lang="en-CA" sz="1800" u="none" strike="noStrike">
                           <a:effectLst/>
                         </a:rPr>
-                        <a:t>0.0015</a:t>
+                        <a:t>confidence</a:t>
                       </a:r>
-                      <a:endParaRPr lang="en-CA" sz="1800" b="0" i="0" u="none" strike="noStrike" dirty="0">
+                      <a:endParaRPr lang="en-CA" sz="1800" b="0" i="0" u="none" strike="noStrike">
                         <a:solidFill>
                           <a:srgbClr val="000000"/>
                         </a:solidFill>
@@ -5265,14 +5409,44 @@
                     <a:bodyPr/>
                     <a:lstStyle/>
                     <a:p>
-                      <a:pPr algn="r" fontAlgn="b"/>
+                      <a:pPr algn="ctr" fontAlgn="ctr"/>
                       <a:r>
-                        <a:rPr lang="en-CA" sz="1800" u="none" strike="noStrike" dirty="0">
+                        <a:rPr lang="en-CA" sz="1800" u="none" strike="noStrike">
                           <a:effectLst/>
                         </a:rPr>
-                        <a:t>0.419</a:t>
+                        <a:t>lift</a:t>
                       </a:r>
-                      <a:endParaRPr lang="en-CA" sz="1800" b="0" i="0" u="none" strike="noStrike" dirty="0">
+                      <a:endParaRPr lang="en-CA" sz="1800" b="0" i="0" u="none" strike="noStrike">
+                        <a:solidFill>
+                          <a:srgbClr val="000000"/>
+                        </a:solidFill>
+                        <a:effectLst/>
+                        <a:latin typeface="Calibri" panose="020F0502020204030204" pitchFamily="34" charset="0"/>
+                      </a:endParaRPr>
+                    </a:p>
+                  </a:txBody>
+                  <a:tcPr marL="6350" marR="6350" marT="6350" marB="0" anchor="ctr"/>
+                </a:tc>
+                <a:extLst>
+                  <a:ext uri="{0D108BD9-81ED-4DB2-BD59-A6C34878D82A}">
+                    <a16:rowId xmlns:a16="http://schemas.microsoft.com/office/drawing/2014/main" val="2878430773"/>
+                  </a:ext>
+                </a:extLst>
+              </a:tr>
+              <a:tr h="635374">
+                <a:tc>
+                  <a:txBody>
+                    <a:bodyPr/>
+                    <a:lstStyle/>
+                    <a:p>
+                      <a:pPr algn="l" fontAlgn="ctr"/>
+                      <a:r>
+                        <a:rPr lang="en-CA" sz="1800" u="none" strike="noStrike">
+                          <a:effectLst/>
+                        </a:rPr>
+                        <a:t>{Large Lemon, Organic Cilantro}</a:t>
+                      </a:r>
+                      <a:endParaRPr lang="en-CA" sz="1800" b="0" i="0" u="none" strike="noStrike">
                         <a:solidFill>
                           <a:srgbClr val="000000"/>
                         </a:solidFill>
@@ -5288,60 +5462,7 @@
                     <a:bodyPr/>
                     <a:lstStyle/>
                     <a:p>
-                      <a:pPr algn="r" fontAlgn="b"/>
-                      <a:r>
-                        <a:rPr lang="en-CA" sz="1800" u="none" strike="noStrike" dirty="0">
-                          <a:effectLst/>
-                        </a:rPr>
-                        <a:t>2.935</a:t>
-                      </a:r>
-                      <a:endParaRPr lang="en-CA" sz="1800" b="0" i="0" u="none" strike="noStrike" dirty="0">
-                        <a:solidFill>
-                          <a:srgbClr val="000000"/>
-                        </a:solidFill>
-                        <a:effectLst/>
-                        <a:latin typeface="Calibri" panose="020F0502020204030204" pitchFamily="34" charset="0"/>
-                      </a:endParaRPr>
-                    </a:p>
-                  </a:txBody>
-                  <a:tcPr marL="6350" marR="6350" marT="6350" marB="0" anchor="ctr"/>
-                </a:tc>
-                <a:extLst>
-                  <a:ext uri="{0D108BD9-81ED-4DB2-BD59-A6C34878D82A}">
-                    <a16:rowId xmlns:a16="http://schemas.microsoft.com/office/drawing/2014/main" val="2585471519"/>
-                  </a:ext>
-                </a:extLst>
-              </a:tr>
-              <a:tr h="184150">
-                <a:tc>
-                  <a:txBody>
-                    <a:bodyPr/>
-                    <a:lstStyle/>
-                    <a:p>
-                      <a:pPr algn="l" fontAlgn="b"/>
-                      <a:r>
-                        <a:rPr lang="en-CA" sz="1800" u="none" strike="noStrike" dirty="0">
-                          <a:effectLst/>
-                        </a:rPr>
-                        <a:t>{Organic Lemon, Organic Raspberries}</a:t>
-                      </a:r>
-                      <a:endParaRPr lang="en-CA" sz="1800" b="0" i="0" u="none" strike="noStrike" dirty="0">
-                        <a:solidFill>
-                          <a:srgbClr val="000000"/>
-                        </a:solidFill>
-                        <a:effectLst/>
-                        <a:latin typeface="Calibri" panose="020F0502020204030204" pitchFamily="34" charset="0"/>
-                      </a:endParaRPr>
-                    </a:p>
-                  </a:txBody>
-                  <a:tcPr marL="6350" marR="6350" marT="6350" marB="0" anchor="ctr"/>
-                </a:tc>
-                <a:tc>
-                  <a:txBody>
-                    <a:bodyPr/>
-                    <a:lstStyle/>
-                    <a:p>
-                      <a:pPr algn="l" fontAlgn="b"/>
+                      <a:pPr algn="l" fontAlgn="ctr"/>
                       <a:r>
                         <a:rPr lang="en-CA" sz="1800" u="none" strike="noStrike">
                           <a:effectLst/>
@@ -5364,12 +5485,12 @@
                     <a:bodyPr/>
                     <a:lstStyle/>
                     <a:p>
-                      <a:pPr algn="l" fontAlgn="b"/>
+                      <a:pPr algn="l" fontAlgn="ctr"/>
                       <a:r>
                         <a:rPr lang="en-CA" sz="1800" u="none" strike="noStrike">
                           <a:effectLst/>
                         </a:rPr>
-                        <a:t>{Bag of Organic Bananas}</a:t>
+                        <a:t>{Limes}</a:t>
                       </a:r>
                       <a:endParaRPr lang="en-CA" sz="1800" b="0" i="0" u="none" strike="noStrike">
                         <a:solidFill>
@@ -5387,12 +5508,12 @@
                     <a:bodyPr/>
                     <a:lstStyle/>
                     <a:p>
-                      <a:pPr algn="r" fontAlgn="b"/>
+                      <a:pPr algn="l" fontAlgn="ctr"/>
                       <a:r>
                         <a:rPr lang="en-CA" sz="1800" u="none" strike="noStrike">
                           <a:effectLst/>
                         </a:rPr>
-                        <a:t>0.0017</a:t>
+                        <a:t>0.00101</a:t>
                       </a:r>
                       <a:endParaRPr lang="en-CA" sz="1800" b="0" i="0" u="none" strike="noStrike">
                         <a:solidFill>
@@ -5410,12 +5531,12 @@
                     <a:bodyPr/>
                     <a:lstStyle/>
                     <a:p>
-                      <a:pPr algn="r" fontAlgn="b"/>
+                      <a:pPr algn="l" fontAlgn="ctr"/>
                       <a:r>
                         <a:rPr lang="en-CA" sz="1800" u="none" strike="noStrike">
                           <a:effectLst/>
                         </a:rPr>
-                        <a:t>0.499</a:t>
+                        <a:t>0.407</a:t>
                       </a:r>
                       <a:endParaRPr lang="en-CA" sz="1800" b="0" i="0" u="none" strike="noStrike">
                         <a:solidFill>
@@ -5433,12 +5554,166 @@
                     <a:bodyPr/>
                     <a:lstStyle/>
                     <a:p>
-                      <a:pPr algn="r" fontAlgn="b"/>
+                      <a:pPr algn="l" fontAlgn="ctr"/>
+                      <a:r>
+                        <a:rPr lang="en-CA" sz="1800" u="none" strike="noStrike">
+                          <a:effectLst/>
+                        </a:rPr>
+                        <a:t>9.311</a:t>
+                      </a:r>
+                      <a:endParaRPr lang="en-CA" sz="1800" b="0" i="0" u="none" strike="noStrike">
+                        <a:solidFill>
+                          <a:srgbClr val="000000"/>
+                        </a:solidFill>
+                        <a:effectLst/>
+                        <a:latin typeface="Calibri" panose="020F0502020204030204" pitchFamily="34" charset="0"/>
+                      </a:endParaRPr>
+                    </a:p>
+                  </a:txBody>
+                  <a:tcPr marL="6350" marR="6350" marT="6350" marB="0" anchor="ctr"/>
+                </a:tc>
+                <a:extLst>
+                  <a:ext uri="{0D108BD9-81ED-4DB2-BD59-A6C34878D82A}">
+                    <a16:rowId xmlns:a16="http://schemas.microsoft.com/office/drawing/2014/main" val="279163967"/>
+                  </a:ext>
+                </a:extLst>
+              </a:tr>
+              <a:tr h="1263480">
+                <a:tc>
+                  <a:txBody>
+                    <a:bodyPr/>
+                    <a:lstStyle/>
+                    <a:p>
+                      <a:pPr algn="l" fontAlgn="ctr"/>
+                      <a:r>
+                        <a:rPr lang="en-US" sz="1800" u="none" strike="noStrike" dirty="0">
+                          <a:effectLst/>
+                        </a:rPr>
+                        <a:t>{Bag of Organic Bananas, </a:t>
+                      </a:r>
+                    </a:p>
+                    <a:p>
+                      <a:pPr algn="l" fontAlgn="ctr"/>
+                      <a:r>
+                        <a:rPr lang="en-US" sz="1800" u="none" strike="noStrike" dirty="0">
+                          <a:effectLst/>
+                        </a:rPr>
+                        <a:t>Organic Lemon, Organic Raspberries}</a:t>
+                      </a:r>
+                      <a:endParaRPr lang="en-US" sz="1800" b="0" i="0" u="none" strike="noStrike" dirty="0">
+                        <a:solidFill>
+                          <a:srgbClr val="000000"/>
+                        </a:solidFill>
+                        <a:effectLst/>
+                        <a:latin typeface="Calibri" panose="020F0502020204030204" pitchFamily="34" charset="0"/>
+                      </a:endParaRPr>
+                    </a:p>
+                  </a:txBody>
+                  <a:tcPr marL="6350" marR="6350" marT="6350" marB="0" anchor="ctr"/>
+                </a:tc>
+                <a:tc>
+                  <a:txBody>
+                    <a:bodyPr/>
+                    <a:lstStyle/>
+                    <a:p>
+                      <a:pPr algn="l" fontAlgn="ctr"/>
+                      <a:r>
+                        <a:rPr lang="en-CA" sz="1800" u="none" strike="noStrike">
+                          <a:effectLst/>
+                        </a:rPr>
+                        <a:t>=&gt;</a:t>
+                      </a:r>
+                      <a:endParaRPr lang="en-CA" sz="1800" b="0" i="0" u="none" strike="noStrike">
+                        <a:solidFill>
+                          <a:srgbClr val="000000"/>
+                        </a:solidFill>
+                        <a:effectLst/>
+                        <a:latin typeface="Calibri" panose="020F0502020204030204" pitchFamily="34" charset="0"/>
+                      </a:endParaRPr>
+                    </a:p>
+                  </a:txBody>
+                  <a:tcPr marL="6350" marR="6350" marT="6350" marB="0" anchor="ctr"/>
+                </a:tc>
+                <a:tc>
+                  <a:txBody>
+                    <a:bodyPr/>
+                    <a:lstStyle/>
+                    <a:p>
+                      <a:pPr algn="l" fontAlgn="ctr"/>
                       <a:r>
                         <a:rPr lang="en-CA" sz="1800" u="none" strike="noStrike" dirty="0">
                           <a:effectLst/>
                         </a:rPr>
-                        <a:t>4.229</a:t>
+                        <a:t>{Organic Hass Avocado}</a:t>
+                      </a:r>
+                      <a:endParaRPr lang="en-CA" sz="1800" b="0" i="0" u="none" strike="noStrike" dirty="0">
+                        <a:solidFill>
+                          <a:srgbClr val="000000"/>
+                        </a:solidFill>
+                        <a:effectLst/>
+                        <a:latin typeface="Calibri" panose="020F0502020204030204" pitchFamily="34" charset="0"/>
+                      </a:endParaRPr>
+                    </a:p>
+                  </a:txBody>
+                  <a:tcPr marL="6350" marR="6350" marT="6350" marB="0" anchor="ctr"/>
+                </a:tc>
+                <a:tc>
+                  <a:txBody>
+                    <a:bodyPr/>
+                    <a:lstStyle/>
+                    <a:p>
+                      <a:pPr algn="l" fontAlgn="ctr"/>
+                      <a:r>
+                        <a:rPr lang="en-CA" sz="1800" u="none" strike="noStrike">
+                          <a:effectLst/>
+                        </a:rPr>
+                        <a:t>0.00057</a:t>
+                      </a:r>
+                      <a:endParaRPr lang="en-CA" sz="1800" b="0" i="0" u="none" strike="noStrike">
+                        <a:solidFill>
+                          <a:srgbClr val="000000"/>
+                        </a:solidFill>
+                        <a:effectLst/>
+                        <a:latin typeface="Calibri" panose="020F0502020204030204" pitchFamily="34" charset="0"/>
+                      </a:endParaRPr>
+                    </a:p>
+                  </a:txBody>
+                  <a:tcPr marL="6350" marR="6350" marT="6350" marB="0" anchor="ctr"/>
+                </a:tc>
+                <a:tc>
+                  <a:txBody>
+                    <a:bodyPr/>
+                    <a:lstStyle/>
+                    <a:p>
+                      <a:pPr algn="l" fontAlgn="ctr"/>
+                      <a:r>
+                        <a:rPr lang="en-CA" sz="1800" u="none" strike="noStrike">
+                          <a:effectLst/>
+                        </a:rPr>
+                        <a:t>0.452</a:t>
+                      </a:r>
+                      <a:endParaRPr lang="en-CA" sz="1800" b="0" i="0" u="none" strike="noStrike">
+                        <a:solidFill>
+                          <a:srgbClr val="000000"/>
+                        </a:solidFill>
+                        <a:effectLst/>
+                        <a:latin typeface="Calibri" panose="020F0502020204030204" pitchFamily="34" charset="0"/>
+                      </a:endParaRPr>
+                    </a:p>
+                  </a:txBody>
+                  <a:tcPr marL="6350" marR="6350" marT="6350" marB="0" anchor="ctr"/>
+                </a:tc>
+                <a:tc>
+                  <a:txBody>
+                    <a:bodyPr/>
+                    <a:lstStyle/>
+                    <a:p>
+                      <a:pPr algn="l" fontAlgn="ctr"/>
+                      <a:r>
+                        <a:rPr lang="en-CA" sz="1800" u="none" strike="noStrike" dirty="0">
+                          <a:effectLst/>
+                        </a:rPr>
+                        <a:t>6.811</a:t>
                       </a:r>
                       <a:endParaRPr lang="en-CA" sz="1800" b="0" i="0" u="none" strike="noStrike" dirty="0">
                         <a:solidFill>
@@ -5453,7 +5728,7 @@
                 </a:tc>
                 <a:extLst>
                   <a:ext uri="{0D108BD9-81ED-4DB2-BD59-A6C34878D82A}">
-                    <a16:rowId xmlns:a16="http://schemas.microsoft.com/office/drawing/2014/main" val="296184972"/>
+                    <a16:rowId xmlns:a16="http://schemas.microsoft.com/office/drawing/2014/main" val="3453310079"/>
                   </a:ext>
                 </a:extLst>
               </a:tr>
@@ -5465,6 +5740,94 @@
     <p:extLst>
       <p:ext uri="{BB962C8B-B14F-4D97-AF65-F5344CB8AC3E}">
         <p14:creationId xmlns:p14="http://schemas.microsoft.com/office/powerpoint/2010/main" val="201411954"/>
+      </p:ext>
+    </p:extLst>
+  </p:cSld>
+  <p:clrMapOvr>
+    <a:masterClrMapping/>
+  </p:clrMapOvr>
+</p:sld>
+</file>
+
+<file path=ppt/slides/slide7.xml><?xml version="1.0" encoding="utf-8"?>
+<p:sld xmlns:a="http://schemas.openxmlformats.org/drawingml/2006/main" xmlns:r="http://schemas.openxmlformats.org/officeDocument/2006/relationships" xmlns:p="http://schemas.openxmlformats.org/presentationml/2006/main">
+  <p:cSld>
+    <p:spTree>
+      <p:nvGrpSpPr>
+        <p:cNvPr id="1" name=""/>
+        <p:cNvGrpSpPr/>
+        <p:nvPr/>
+      </p:nvGrpSpPr>
+      <p:grpSpPr>
+        <a:xfrm>
+          <a:off x="0" y="0"/>
+          <a:ext cx="0" cy="0"/>
+          <a:chOff x="0" y="0"/>
+          <a:chExt cx="0" cy="0"/>
+        </a:xfrm>
+      </p:grpSpPr>
+      <p:sp>
+        <p:nvSpPr>
+          <p:cNvPr id="2" name="Title 1">
+            <a:extLst>
+              <a:ext uri="{FF2B5EF4-FFF2-40B4-BE49-F238E27FC236}">
+                <a16:creationId xmlns:a16="http://schemas.microsoft.com/office/drawing/2014/main" id="{463760A6-1EB4-4026-9471-E70DF1665EE4}"/>
+              </a:ext>
+            </a:extLst>
+          </p:cNvPr>
+          <p:cNvSpPr>
+            <a:spLocks noGrp="1"/>
+          </p:cNvSpPr>
+          <p:nvPr>
+            <p:ph type="title"/>
+          </p:nvPr>
+        </p:nvSpPr>
+        <p:spPr/>
+        <p:txBody>
+          <a:bodyPr/>
+          <a:lstStyle/>
+          <a:p>
+            <a:r>
+              <a:rPr lang="en-US" dirty="0"/>
+              <a:t>Weighted Alternating Least Squares with Implicit Feedback Data (WALSIFD)</a:t>
+            </a:r>
+            <a:endParaRPr lang="en-CA" dirty="0"/>
+          </a:p>
+        </p:txBody>
+      </p:sp>
+      <p:sp>
+        <p:nvSpPr>
+          <p:cNvPr id="3" name="Content Placeholder 2">
+            <a:extLst>
+              <a:ext uri="{FF2B5EF4-FFF2-40B4-BE49-F238E27FC236}">
+                <a16:creationId xmlns:a16="http://schemas.microsoft.com/office/drawing/2014/main" id="{8C775441-0079-47AF-82D6-4360D6FCF4D7}"/>
+              </a:ext>
+            </a:extLst>
+          </p:cNvPr>
+          <p:cNvSpPr>
+            <a:spLocks noGrp="1"/>
+          </p:cNvSpPr>
+          <p:nvPr>
+            <p:ph idx="1"/>
+          </p:nvPr>
+        </p:nvSpPr>
+        <p:spPr/>
+        <p:txBody>
+          <a:bodyPr/>
+          <a:lstStyle/>
+          <a:p>
+            <a:r>
+              <a:rPr lang="en-US" dirty="0"/>
+              <a:t>To identify products that has a high probability of being clicked on or purchased by a user, based on their previous transactions.</a:t>
+            </a:r>
+            <a:endParaRPr lang="en-CA" dirty="0"/>
+          </a:p>
+        </p:txBody>
+      </p:sp>
+    </p:spTree>
+    <p:extLst>
+      <p:ext uri="{BB962C8B-B14F-4D97-AF65-F5344CB8AC3E}">
+        <p14:creationId xmlns:p14="http://schemas.microsoft.com/office/powerpoint/2010/main" val="906805149"/>
       </p:ext>
     </p:extLst>
   </p:cSld>
